--- a/folder/ssol_2022_poster.pptx
+++ b/folder/ssol_2022_poster.pptx
@@ -10,14 +10,14 @@
   <p:sldIdLst>
     <p:sldId id="256" r:id="rId2"/>
   </p:sldIdLst>
-  <p:sldSz cx="42479913" cy="30240288"/>
+  <p:sldSz cx="30275213" cy="21383625"/>
   <p:notesSz cx="6858000" cy="9144000"/>
   <p:defaultTextStyle>
     <a:defPPr>
       <a:defRPr lang="en-US"/>
     </a:defPPr>
-    <a:lvl1pPr marL="0" algn="l" defTabSz="2590590" rtl="0" eaLnBrk="1" latinLnBrk="0" hangingPunct="1">
-      <a:defRPr sz="10197" kern="1200">
+    <a:lvl1pPr marL="0" algn="l" defTabSz="1840096" rtl="0" eaLnBrk="1" latinLnBrk="0" hangingPunct="1">
+      <a:defRPr sz="7243" kern="1200">
         <a:solidFill>
           <a:schemeClr val="tx1"/>
         </a:solidFill>
@@ -26,8 +26,8 @@
         <a:cs typeface="+mn-cs"/>
       </a:defRPr>
     </a:lvl1pPr>
-    <a:lvl2pPr marL="2590590" algn="l" defTabSz="2590590" rtl="0" eaLnBrk="1" latinLnBrk="0" hangingPunct="1">
-      <a:defRPr sz="10197" kern="1200">
+    <a:lvl2pPr marL="1840096" algn="l" defTabSz="1840096" rtl="0" eaLnBrk="1" latinLnBrk="0" hangingPunct="1">
+      <a:defRPr sz="7243" kern="1200">
         <a:solidFill>
           <a:schemeClr val="tx1"/>
         </a:solidFill>
@@ -36,8 +36,8 @@
         <a:cs typeface="+mn-cs"/>
       </a:defRPr>
     </a:lvl2pPr>
-    <a:lvl3pPr marL="5181182" algn="l" defTabSz="2590590" rtl="0" eaLnBrk="1" latinLnBrk="0" hangingPunct="1">
-      <a:defRPr sz="10197" kern="1200">
+    <a:lvl3pPr marL="3680194" algn="l" defTabSz="1840096" rtl="0" eaLnBrk="1" latinLnBrk="0" hangingPunct="1">
+      <a:defRPr sz="7243" kern="1200">
         <a:solidFill>
           <a:schemeClr val="tx1"/>
         </a:solidFill>
@@ -46,8 +46,8 @@
         <a:cs typeface="+mn-cs"/>
       </a:defRPr>
     </a:lvl3pPr>
-    <a:lvl4pPr marL="7771772" algn="l" defTabSz="2590590" rtl="0" eaLnBrk="1" latinLnBrk="0" hangingPunct="1">
-      <a:defRPr sz="10197" kern="1200">
+    <a:lvl4pPr marL="5520290" algn="l" defTabSz="1840096" rtl="0" eaLnBrk="1" latinLnBrk="0" hangingPunct="1">
+      <a:defRPr sz="7243" kern="1200">
         <a:solidFill>
           <a:schemeClr val="tx1"/>
         </a:solidFill>
@@ -56,8 +56,8 @@
         <a:cs typeface="+mn-cs"/>
       </a:defRPr>
     </a:lvl4pPr>
-    <a:lvl5pPr marL="10362364" algn="l" defTabSz="2590590" rtl="0" eaLnBrk="1" latinLnBrk="0" hangingPunct="1">
-      <a:defRPr sz="10197" kern="1200">
+    <a:lvl5pPr marL="7360387" algn="l" defTabSz="1840096" rtl="0" eaLnBrk="1" latinLnBrk="0" hangingPunct="1">
+      <a:defRPr sz="7243" kern="1200">
         <a:solidFill>
           <a:schemeClr val="tx1"/>
         </a:solidFill>
@@ -66,8 +66,8 @@
         <a:cs typeface="+mn-cs"/>
       </a:defRPr>
     </a:lvl5pPr>
-    <a:lvl6pPr marL="12952955" algn="l" defTabSz="2590590" rtl="0" eaLnBrk="1" latinLnBrk="0" hangingPunct="1">
-      <a:defRPr sz="10197" kern="1200">
+    <a:lvl6pPr marL="9200484" algn="l" defTabSz="1840096" rtl="0" eaLnBrk="1" latinLnBrk="0" hangingPunct="1">
+      <a:defRPr sz="7243" kern="1200">
         <a:solidFill>
           <a:schemeClr val="tx1"/>
         </a:solidFill>
@@ -76,8 +76,8 @@
         <a:cs typeface="+mn-cs"/>
       </a:defRPr>
     </a:lvl6pPr>
-    <a:lvl7pPr marL="15543546" algn="l" defTabSz="2590590" rtl="0" eaLnBrk="1" latinLnBrk="0" hangingPunct="1">
-      <a:defRPr sz="10197" kern="1200">
+    <a:lvl7pPr marL="11040581" algn="l" defTabSz="1840096" rtl="0" eaLnBrk="1" latinLnBrk="0" hangingPunct="1">
+      <a:defRPr sz="7243" kern="1200">
         <a:solidFill>
           <a:schemeClr val="tx1"/>
         </a:solidFill>
@@ -86,8 +86,8 @@
         <a:cs typeface="+mn-cs"/>
       </a:defRPr>
     </a:lvl7pPr>
-    <a:lvl8pPr marL="18134136" algn="l" defTabSz="2590590" rtl="0" eaLnBrk="1" latinLnBrk="0" hangingPunct="1">
-      <a:defRPr sz="10197" kern="1200">
+    <a:lvl8pPr marL="12880677" algn="l" defTabSz="1840096" rtl="0" eaLnBrk="1" latinLnBrk="0" hangingPunct="1">
+      <a:defRPr sz="7243" kern="1200">
         <a:solidFill>
           <a:schemeClr val="tx1"/>
         </a:solidFill>
@@ -96,8 +96,8 @@
         <a:cs typeface="+mn-cs"/>
       </a:defRPr>
     </a:lvl8pPr>
-    <a:lvl9pPr marL="20724728" algn="l" defTabSz="2590590" rtl="0" eaLnBrk="1" latinLnBrk="0" hangingPunct="1">
-      <a:defRPr sz="10197" kern="1200">
+    <a:lvl9pPr marL="14720774" algn="l" defTabSz="1840096" rtl="0" eaLnBrk="1" latinLnBrk="0" hangingPunct="1">
+      <a:defRPr sz="7243" kern="1200">
         <a:solidFill>
           <a:schemeClr val="tx1"/>
         </a:solidFill>
@@ -110,12 +110,12 @@
   <p:extLst>
     <p:ext uri="{EFAFB233-063F-42B5-8137-9DF3F51BA10A}">
       <p15:sldGuideLst xmlns:p15="http://schemas.microsoft.com/office/powerpoint/2012/main">
-        <p15:guide id="1" orient="horz" pos="9525" userDrawn="1">
+        <p15:guide id="1" orient="horz" pos="6735" userDrawn="1">
           <p15:clr>
             <a:srgbClr val="A4A3A4"/>
           </p15:clr>
         </p15:guide>
-        <p15:guide id="2" pos="13383" userDrawn="1">
+        <p15:guide id="2" pos="9538" userDrawn="1">
           <p15:clr>
             <a:srgbClr val="A4A3A4"/>
           </p15:clr>
@@ -226,8 +226,8 @@
         </p:nvSpPr>
         <p:spPr>
           <a:xfrm>
-            <a:off x="1020763" y="685800"/>
-            <a:ext cx="4816475" cy="3429000"/>
+            <a:off x="1001713" y="685800"/>
+            <a:ext cx="4854575" cy="3429000"/>
           </a:xfrm>
           <a:prstGeom prst="rect">
             <a:avLst/>
@@ -381,8 +381,8 @@
   </p:cSld>
   <p:clrMap bg1="lt1" tx1="dk1" bg2="lt2" tx2="dk2" accent1="accent1" accent2="accent2" accent3="accent3" accent4="accent4" accent5="accent5" accent6="accent6" hlink="hlink" folHlink="folHlink"/>
   <p:notesStyle>
-    <a:lvl1pPr marL="0" algn="l" defTabSz="914143" rtl="0" eaLnBrk="1" latinLnBrk="0" hangingPunct="1">
-      <a:defRPr sz="1200" kern="1200">
+    <a:lvl1pPr marL="0" algn="l" defTabSz="649316" rtl="0" eaLnBrk="1" latinLnBrk="0" hangingPunct="1">
+      <a:defRPr sz="852" kern="1200">
         <a:solidFill>
           <a:schemeClr val="tx1"/>
         </a:solidFill>
@@ -391,8 +391,8 @@
         <a:cs typeface="+mn-cs"/>
       </a:defRPr>
     </a:lvl1pPr>
-    <a:lvl2pPr marL="457073" algn="l" defTabSz="914143" rtl="0" eaLnBrk="1" latinLnBrk="0" hangingPunct="1">
-      <a:defRPr sz="1200" kern="1200">
+    <a:lvl2pPr marL="324659" algn="l" defTabSz="649316" rtl="0" eaLnBrk="1" latinLnBrk="0" hangingPunct="1">
+      <a:defRPr sz="852" kern="1200">
         <a:solidFill>
           <a:schemeClr val="tx1"/>
         </a:solidFill>
@@ -401,8 +401,8 @@
         <a:cs typeface="+mn-cs"/>
       </a:defRPr>
     </a:lvl2pPr>
-    <a:lvl3pPr marL="914143" algn="l" defTabSz="914143" rtl="0" eaLnBrk="1" latinLnBrk="0" hangingPunct="1">
-      <a:defRPr sz="1200" kern="1200">
+    <a:lvl3pPr marL="649316" algn="l" defTabSz="649316" rtl="0" eaLnBrk="1" latinLnBrk="0" hangingPunct="1">
+      <a:defRPr sz="852" kern="1200">
         <a:solidFill>
           <a:schemeClr val="tx1"/>
         </a:solidFill>
@@ -411,8 +411,8 @@
         <a:cs typeface="+mn-cs"/>
       </a:defRPr>
     </a:lvl3pPr>
-    <a:lvl4pPr marL="1371215" algn="l" defTabSz="914143" rtl="0" eaLnBrk="1" latinLnBrk="0" hangingPunct="1">
-      <a:defRPr sz="1200" kern="1200">
+    <a:lvl4pPr marL="973974" algn="l" defTabSz="649316" rtl="0" eaLnBrk="1" latinLnBrk="0" hangingPunct="1">
+      <a:defRPr sz="852" kern="1200">
         <a:solidFill>
           <a:schemeClr val="tx1"/>
         </a:solidFill>
@@ -421,8 +421,8 @@
         <a:cs typeface="+mn-cs"/>
       </a:defRPr>
     </a:lvl4pPr>
-    <a:lvl5pPr marL="1828286" algn="l" defTabSz="914143" rtl="0" eaLnBrk="1" latinLnBrk="0" hangingPunct="1">
-      <a:defRPr sz="1200" kern="1200">
+    <a:lvl5pPr marL="1298632" algn="l" defTabSz="649316" rtl="0" eaLnBrk="1" latinLnBrk="0" hangingPunct="1">
+      <a:defRPr sz="852" kern="1200">
         <a:solidFill>
           <a:schemeClr val="tx1"/>
         </a:solidFill>
@@ -431,8 +431,8 @@
         <a:cs typeface="+mn-cs"/>
       </a:defRPr>
     </a:lvl5pPr>
-    <a:lvl6pPr marL="2285359" algn="l" defTabSz="914143" rtl="0" eaLnBrk="1" latinLnBrk="0" hangingPunct="1">
-      <a:defRPr sz="1200" kern="1200">
+    <a:lvl6pPr marL="1623290" algn="l" defTabSz="649316" rtl="0" eaLnBrk="1" latinLnBrk="0" hangingPunct="1">
+      <a:defRPr sz="852" kern="1200">
         <a:solidFill>
           <a:schemeClr val="tx1"/>
         </a:solidFill>
@@ -441,8 +441,8 @@
         <a:cs typeface="+mn-cs"/>
       </a:defRPr>
     </a:lvl6pPr>
-    <a:lvl7pPr marL="2742430" algn="l" defTabSz="914143" rtl="0" eaLnBrk="1" latinLnBrk="0" hangingPunct="1">
-      <a:defRPr sz="1200" kern="1200">
+    <a:lvl7pPr marL="1947948" algn="l" defTabSz="649316" rtl="0" eaLnBrk="1" latinLnBrk="0" hangingPunct="1">
+      <a:defRPr sz="852" kern="1200">
         <a:solidFill>
           <a:schemeClr val="tx1"/>
         </a:solidFill>
@@ -451,8 +451,8 @@
         <a:cs typeface="+mn-cs"/>
       </a:defRPr>
     </a:lvl7pPr>
-    <a:lvl8pPr marL="3199502" algn="l" defTabSz="914143" rtl="0" eaLnBrk="1" latinLnBrk="0" hangingPunct="1">
-      <a:defRPr sz="1200" kern="1200">
+    <a:lvl8pPr marL="2272606" algn="l" defTabSz="649316" rtl="0" eaLnBrk="1" latinLnBrk="0" hangingPunct="1">
+      <a:defRPr sz="852" kern="1200">
         <a:solidFill>
           <a:schemeClr val="tx1"/>
         </a:solidFill>
@@ -461,8 +461,8 @@
         <a:cs typeface="+mn-cs"/>
       </a:defRPr>
     </a:lvl8pPr>
-    <a:lvl9pPr marL="3656574" algn="l" defTabSz="914143" rtl="0" eaLnBrk="1" latinLnBrk="0" hangingPunct="1">
-      <a:defRPr sz="1200" kern="1200">
+    <a:lvl9pPr marL="2597265" algn="l" defTabSz="649316" rtl="0" eaLnBrk="1" latinLnBrk="0" hangingPunct="1">
+      <a:defRPr sz="852" kern="1200">
         <a:solidFill>
           <a:schemeClr val="tx1"/>
         </a:solidFill>
@@ -504,8 +504,8 @@
         </p:nvSpPr>
         <p:spPr>
           <a:xfrm>
-            <a:off x="1020763" y="685800"/>
-            <a:ext cx="4816475" cy="3429000"/>
+            <a:off x="1001713" y="685800"/>
+            <a:ext cx="4854575" cy="3429000"/>
           </a:xfrm>
         </p:spPr>
       </p:sp>
@@ -593,8 +593,8 @@
         </p:nvSpPr>
         <p:spPr>
           <a:xfrm>
-            <a:off x="3185997" y="9394093"/>
-            <a:ext cx="36107927" cy="6482063"/>
+            <a:off x="2270644" y="6642786"/>
+            <a:ext cx="25733932" cy="4583621"/>
           </a:xfrm>
         </p:spPr>
         <p:txBody>
@@ -620,8 +620,8 @@
         </p:nvSpPr>
         <p:spPr>
           <a:xfrm>
-            <a:off x="6371989" y="17136171"/>
-            <a:ext cx="29735940" cy="7728073"/>
+            <a:off x="4541283" y="12117393"/>
+            <a:ext cx="21192650" cy="5464704"/>
           </a:xfrm>
         </p:spPr>
         <p:txBody>
@@ -637,7 +637,7 @@
                 </a:solidFill>
               </a:defRPr>
             </a:lvl1pPr>
-            <a:lvl2pPr marL="2070512" indent="0" algn="ctr">
+            <a:lvl2pPr marL="1464059" indent="0" algn="ctr">
               <a:buNone/>
               <a:defRPr>
                 <a:solidFill>
@@ -647,7 +647,7 @@
                 </a:solidFill>
               </a:defRPr>
             </a:lvl2pPr>
-            <a:lvl3pPr marL="4141022" indent="0" algn="ctr">
+            <a:lvl3pPr marL="2928117" indent="0" algn="ctr">
               <a:buNone/>
               <a:defRPr>
                 <a:solidFill>
@@ -657,7 +657,7 @@
                 </a:solidFill>
               </a:defRPr>
             </a:lvl3pPr>
-            <a:lvl4pPr marL="6211534" indent="0" algn="ctr">
+            <a:lvl4pPr marL="4392176" indent="0" algn="ctr">
               <a:buNone/>
               <a:defRPr>
                 <a:solidFill>
@@ -667,7 +667,7 @@
                 </a:solidFill>
               </a:defRPr>
             </a:lvl4pPr>
-            <a:lvl5pPr marL="8282045" indent="0" algn="ctr">
+            <a:lvl5pPr marL="5856234" indent="0" algn="ctr">
               <a:buNone/>
               <a:defRPr>
                 <a:solidFill>
@@ -677,7 +677,7 @@
                 </a:solidFill>
               </a:defRPr>
             </a:lvl5pPr>
-            <a:lvl6pPr marL="10352556" indent="0" algn="ctr">
+            <a:lvl6pPr marL="7320292" indent="0" algn="ctr">
               <a:buNone/>
               <a:defRPr>
                 <a:solidFill>
@@ -687,7 +687,7 @@
                 </a:solidFill>
               </a:defRPr>
             </a:lvl6pPr>
-            <a:lvl7pPr marL="12423068" indent="0" algn="ctr">
+            <a:lvl7pPr marL="8784351" indent="0" algn="ctr">
               <a:buNone/>
               <a:defRPr>
                 <a:solidFill>
@@ -697,7 +697,7 @@
                 </a:solidFill>
               </a:defRPr>
             </a:lvl7pPr>
-            <a:lvl8pPr marL="14493578" indent="0" algn="ctr">
+            <a:lvl8pPr marL="10248409" indent="0" algn="ctr">
               <a:buNone/>
               <a:defRPr>
                 <a:solidFill>
@@ -707,7 +707,7 @@
                 </a:solidFill>
               </a:defRPr>
             </a:lvl8pPr>
-            <a:lvl9pPr marL="16564088" indent="0" algn="ctr">
+            <a:lvl9pPr marL="11712467" indent="0" algn="ctr">
               <a:buNone/>
               <a:defRPr>
                 <a:solidFill>
@@ -1001,8 +1001,8 @@
         </p:nvSpPr>
         <p:spPr>
           <a:xfrm>
-            <a:off x="30797937" y="1211022"/>
-            <a:ext cx="9557981" cy="25802246"/>
+            <a:off x="21949530" y="856342"/>
+            <a:ext cx="6811923" cy="18245380"/>
           </a:xfrm>
         </p:spPr>
         <p:txBody>
@@ -1028,8 +1028,8 @@
         </p:nvSpPr>
         <p:spPr>
           <a:xfrm>
-            <a:off x="2123997" y="1211022"/>
-            <a:ext cx="27965942" cy="25802246"/>
+            <a:off x="1513762" y="856342"/>
+            <a:ext cx="19931181" cy="18245380"/>
           </a:xfrm>
         </p:spPr>
         <p:txBody>
@@ -1347,15 +1347,15 @@
         </p:nvSpPr>
         <p:spPr>
           <a:xfrm>
-            <a:off x="3355623" y="19432190"/>
-            <a:ext cx="36107927" cy="6006058"/>
+            <a:off x="2391535" y="13740963"/>
+            <a:ext cx="25733932" cy="4247026"/>
           </a:xfrm>
         </p:spPr>
         <p:txBody>
           <a:bodyPr anchor="t"/>
           <a:lstStyle>
             <a:lvl1pPr algn="l">
-              <a:defRPr sz="18148" b="1" cap="all"/>
+              <a:defRPr sz="12832" b="1" cap="all"/>
             </a:lvl1pPr>
           </a:lstStyle>
           <a:p>
@@ -1378,8 +1378,8 @@
         </p:nvSpPr>
         <p:spPr>
           <a:xfrm>
-            <a:off x="3355623" y="12817126"/>
-            <a:ext cx="36107927" cy="6615061"/>
+            <a:off x="2391535" y="9063294"/>
+            <a:ext cx="25733932" cy="4677667"/>
           </a:xfrm>
         </p:spPr>
         <p:txBody>
@@ -1387,7 +1387,7 @@
           <a:lstStyle>
             <a:lvl1pPr marL="0" indent="0">
               <a:buNone/>
-              <a:defRPr sz="9024">
+              <a:defRPr sz="6381">
                 <a:solidFill>
                   <a:schemeClr val="tx1">
                     <a:tint val="75000"/>
@@ -1395,9 +1395,9 @@
                 </a:solidFill>
               </a:defRPr>
             </a:lvl1pPr>
-            <a:lvl2pPr marL="2070512" indent="0">
+            <a:lvl2pPr marL="1464059" indent="0">
               <a:buNone/>
-              <a:defRPr sz="8131">
+              <a:defRPr sz="5749">
                 <a:solidFill>
                   <a:schemeClr val="tx1">
                     <a:tint val="75000"/>
@@ -1405,9 +1405,9 @@
                 </a:solidFill>
               </a:defRPr>
             </a:lvl2pPr>
-            <a:lvl3pPr marL="4141022" indent="0">
+            <a:lvl3pPr marL="2928117" indent="0">
               <a:buNone/>
-              <a:defRPr sz="7240">
+              <a:defRPr sz="5119">
                 <a:solidFill>
                   <a:schemeClr val="tx1">
                     <a:tint val="75000"/>
@@ -1415,9 +1415,9 @@
                 </a:solidFill>
               </a:defRPr>
             </a:lvl3pPr>
-            <a:lvl4pPr marL="6211534" indent="0">
+            <a:lvl4pPr marL="4392176" indent="0">
               <a:buNone/>
-              <a:defRPr sz="6346">
+              <a:defRPr sz="4487">
                 <a:solidFill>
                   <a:schemeClr val="tx1">
                     <a:tint val="75000"/>
@@ -1425,9 +1425,9 @@
                 </a:solidFill>
               </a:defRPr>
             </a:lvl4pPr>
-            <a:lvl5pPr marL="8282045" indent="0">
+            <a:lvl5pPr marL="5856234" indent="0">
               <a:buNone/>
-              <a:defRPr sz="6346">
+              <a:defRPr sz="4487">
                 <a:solidFill>
                   <a:schemeClr val="tx1">
                     <a:tint val="75000"/>
@@ -1435,9 +1435,9 @@
                 </a:solidFill>
               </a:defRPr>
             </a:lvl5pPr>
-            <a:lvl6pPr marL="10352556" indent="0">
+            <a:lvl6pPr marL="7320292" indent="0">
               <a:buNone/>
-              <a:defRPr sz="6346">
+              <a:defRPr sz="4487">
                 <a:solidFill>
                   <a:schemeClr val="tx1">
                     <a:tint val="75000"/>
@@ -1445,9 +1445,9 @@
                 </a:solidFill>
               </a:defRPr>
             </a:lvl6pPr>
-            <a:lvl7pPr marL="12423068" indent="0">
+            <a:lvl7pPr marL="8784351" indent="0">
               <a:buNone/>
-              <a:defRPr sz="6346">
+              <a:defRPr sz="4487">
                 <a:solidFill>
                   <a:schemeClr val="tx1">
                     <a:tint val="75000"/>
@@ -1455,9 +1455,9 @@
                 </a:solidFill>
               </a:defRPr>
             </a:lvl7pPr>
-            <a:lvl8pPr marL="14493578" indent="0">
+            <a:lvl8pPr marL="10248409" indent="0">
               <a:buNone/>
-              <a:defRPr sz="6346">
+              <a:defRPr sz="4487">
                 <a:solidFill>
                   <a:schemeClr val="tx1">
                     <a:tint val="75000"/>
@@ -1465,9 +1465,9 @@
                 </a:solidFill>
               </a:defRPr>
             </a:lvl8pPr>
-            <a:lvl9pPr marL="16564088" indent="0">
+            <a:lvl9pPr marL="11712467" indent="0">
               <a:buNone/>
-              <a:defRPr sz="6346">
+              <a:defRPr sz="4487">
                 <a:solidFill>
                   <a:schemeClr val="tx1">
                     <a:tint val="75000"/>
@@ -1614,39 +1614,39 @@
         </p:nvSpPr>
         <p:spPr>
           <a:xfrm>
-            <a:off x="2123999" y="7056076"/>
-            <a:ext cx="18761961" cy="19957191"/>
+            <a:off x="1513763" y="4989519"/>
+            <a:ext cx="13371552" cy="14112203"/>
           </a:xfrm>
         </p:spPr>
         <p:txBody>
           <a:bodyPr/>
           <a:lstStyle>
             <a:lvl1pPr>
-              <a:defRPr sz="12694"/>
+              <a:defRPr sz="8976"/>
             </a:lvl1pPr>
             <a:lvl2pPr>
-              <a:defRPr sz="10908"/>
+              <a:defRPr sz="7713"/>
             </a:lvl2pPr>
             <a:lvl3pPr>
-              <a:defRPr sz="9024"/>
+              <a:defRPr sz="6381"/>
             </a:lvl3pPr>
             <a:lvl4pPr>
-              <a:defRPr sz="8131"/>
+              <a:defRPr sz="5749"/>
             </a:lvl4pPr>
             <a:lvl5pPr>
-              <a:defRPr sz="8131"/>
+              <a:defRPr sz="5749"/>
             </a:lvl5pPr>
             <a:lvl6pPr>
-              <a:defRPr sz="8131"/>
+              <a:defRPr sz="5749"/>
             </a:lvl6pPr>
             <a:lvl7pPr>
-              <a:defRPr sz="8131"/>
+              <a:defRPr sz="5749"/>
             </a:lvl7pPr>
             <a:lvl8pPr>
-              <a:defRPr sz="8131"/>
+              <a:defRPr sz="5749"/>
             </a:lvl8pPr>
             <a:lvl9pPr>
-              <a:defRPr sz="8131"/>
+              <a:defRPr sz="5749"/>
             </a:lvl9pPr>
           </a:lstStyle>
           <a:p>
@@ -1698,39 +1698,39 @@
         </p:nvSpPr>
         <p:spPr>
           <a:xfrm>
-            <a:off x="21593960" y="7056076"/>
-            <a:ext cx="18761961" cy="19957191"/>
+            <a:off x="15389903" y="4989519"/>
+            <a:ext cx="13371552" cy="14112203"/>
           </a:xfrm>
         </p:spPr>
         <p:txBody>
           <a:bodyPr/>
           <a:lstStyle>
             <a:lvl1pPr>
-              <a:defRPr sz="12694"/>
+              <a:defRPr sz="8976"/>
             </a:lvl1pPr>
             <a:lvl2pPr>
-              <a:defRPr sz="10908"/>
+              <a:defRPr sz="7713"/>
             </a:lvl2pPr>
             <a:lvl3pPr>
-              <a:defRPr sz="9024"/>
+              <a:defRPr sz="6381"/>
             </a:lvl3pPr>
             <a:lvl4pPr>
-              <a:defRPr sz="8131"/>
+              <a:defRPr sz="5749"/>
             </a:lvl4pPr>
             <a:lvl5pPr>
-              <a:defRPr sz="8131"/>
+              <a:defRPr sz="5749"/>
             </a:lvl5pPr>
             <a:lvl6pPr>
-              <a:defRPr sz="8131"/>
+              <a:defRPr sz="5749"/>
             </a:lvl6pPr>
             <a:lvl7pPr>
-              <a:defRPr sz="8131"/>
+              <a:defRPr sz="5749"/>
             </a:lvl7pPr>
             <a:lvl8pPr>
-              <a:defRPr sz="8131"/>
+              <a:defRPr sz="5749"/>
             </a:lvl8pPr>
             <a:lvl9pPr>
-              <a:defRPr sz="8131"/>
+              <a:defRPr sz="5749"/>
             </a:lvl9pPr>
           </a:lstStyle>
           <a:p>
@@ -1903,8 +1903,8 @@
         </p:nvSpPr>
         <p:spPr>
           <a:xfrm>
-            <a:off x="2123997" y="6769072"/>
-            <a:ext cx="18769339" cy="2821024"/>
+            <a:off x="1513762" y="4786571"/>
+            <a:ext cx="13376810" cy="1994813"/>
           </a:xfrm>
         </p:spPr>
         <p:txBody>
@@ -1912,39 +1912,39 @@
           <a:lstStyle>
             <a:lvl1pPr marL="0" indent="0">
               <a:buNone/>
-              <a:defRPr sz="10908" b="1"/>
+              <a:defRPr sz="7713" b="1"/>
             </a:lvl1pPr>
-            <a:lvl2pPr marL="2070512" indent="0">
+            <a:lvl2pPr marL="1464059" indent="0">
               <a:buNone/>
-              <a:defRPr sz="9024" b="1"/>
+              <a:defRPr sz="6381" b="1"/>
             </a:lvl2pPr>
-            <a:lvl3pPr marL="4141022" indent="0">
+            <a:lvl3pPr marL="2928117" indent="0">
               <a:buNone/>
-              <a:defRPr sz="8131" b="1"/>
+              <a:defRPr sz="5749" b="1"/>
             </a:lvl3pPr>
-            <a:lvl4pPr marL="6211534" indent="0">
+            <a:lvl4pPr marL="4392176" indent="0">
               <a:buNone/>
-              <a:defRPr sz="7240" b="1"/>
+              <a:defRPr sz="5119" b="1"/>
             </a:lvl4pPr>
-            <a:lvl5pPr marL="8282045" indent="0">
+            <a:lvl5pPr marL="5856234" indent="0">
               <a:buNone/>
-              <a:defRPr sz="7240" b="1"/>
+              <a:defRPr sz="5119" b="1"/>
             </a:lvl5pPr>
-            <a:lvl6pPr marL="10352556" indent="0">
+            <a:lvl6pPr marL="7320292" indent="0">
               <a:buNone/>
-              <a:defRPr sz="7240" b="1"/>
+              <a:defRPr sz="5119" b="1"/>
             </a:lvl6pPr>
-            <a:lvl7pPr marL="12423068" indent="0">
+            <a:lvl7pPr marL="8784351" indent="0">
               <a:buNone/>
-              <a:defRPr sz="7240" b="1"/>
+              <a:defRPr sz="5119" b="1"/>
             </a:lvl7pPr>
-            <a:lvl8pPr marL="14493578" indent="0">
+            <a:lvl8pPr marL="10248409" indent="0">
               <a:buNone/>
-              <a:defRPr sz="7240" b="1"/>
+              <a:defRPr sz="5119" b="1"/>
             </a:lvl8pPr>
-            <a:lvl9pPr marL="16564088" indent="0">
+            <a:lvl9pPr marL="11712467" indent="0">
               <a:buNone/>
-              <a:defRPr sz="7240" b="1"/>
+              <a:defRPr sz="5119" b="1"/>
             </a:lvl9pPr>
           </a:lstStyle>
           <a:p>
@@ -1968,39 +1968,39 @@
         </p:nvSpPr>
         <p:spPr>
           <a:xfrm>
-            <a:off x="2123997" y="9590097"/>
-            <a:ext cx="18769339" cy="17423169"/>
+            <a:off x="1513762" y="6781385"/>
+            <a:ext cx="13376810" cy="12320336"/>
           </a:xfrm>
         </p:spPr>
         <p:txBody>
           <a:bodyPr/>
           <a:lstStyle>
             <a:lvl1pPr>
-              <a:defRPr sz="10908"/>
+              <a:defRPr sz="7713"/>
             </a:lvl1pPr>
             <a:lvl2pPr>
-              <a:defRPr sz="9024"/>
+              <a:defRPr sz="6381"/>
             </a:lvl2pPr>
             <a:lvl3pPr>
-              <a:defRPr sz="8131"/>
+              <a:defRPr sz="5749"/>
             </a:lvl3pPr>
             <a:lvl4pPr>
-              <a:defRPr sz="7240"/>
+              <a:defRPr sz="5119"/>
             </a:lvl4pPr>
             <a:lvl5pPr>
-              <a:defRPr sz="7240"/>
+              <a:defRPr sz="5119"/>
             </a:lvl5pPr>
             <a:lvl6pPr>
-              <a:defRPr sz="7240"/>
+              <a:defRPr sz="5119"/>
             </a:lvl6pPr>
             <a:lvl7pPr>
-              <a:defRPr sz="7240"/>
+              <a:defRPr sz="5119"/>
             </a:lvl7pPr>
             <a:lvl8pPr>
-              <a:defRPr sz="7240"/>
+              <a:defRPr sz="5119"/>
             </a:lvl8pPr>
             <a:lvl9pPr>
-              <a:defRPr sz="7240"/>
+              <a:defRPr sz="5119"/>
             </a:lvl9pPr>
           </a:lstStyle>
           <a:p>
@@ -2052,8 +2052,8 @@
         </p:nvSpPr>
         <p:spPr>
           <a:xfrm>
-            <a:off x="21579208" y="6769072"/>
-            <a:ext cx="18776713" cy="2821024"/>
+            <a:off x="15379389" y="4786571"/>
+            <a:ext cx="13382066" cy="1994813"/>
           </a:xfrm>
         </p:spPr>
         <p:txBody>
@@ -2061,39 +2061,39 @@
           <a:lstStyle>
             <a:lvl1pPr marL="0" indent="0">
               <a:buNone/>
-              <a:defRPr sz="10908" b="1"/>
+              <a:defRPr sz="7713" b="1"/>
             </a:lvl1pPr>
-            <a:lvl2pPr marL="2070512" indent="0">
+            <a:lvl2pPr marL="1464059" indent="0">
               <a:buNone/>
-              <a:defRPr sz="9024" b="1"/>
+              <a:defRPr sz="6381" b="1"/>
             </a:lvl2pPr>
-            <a:lvl3pPr marL="4141022" indent="0">
+            <a:lvl3pPr marL="2928117" indent="0">
               <a:buNone/>
-              <a:defRPr sz="8131" b="1"/>
+              <a:defRPr sz="5749" b="1"/>
             </a:lvl3pPr>
-            <a:lvl4pPr marL="6211534" indent="0">
+            <a:lvl4pPr marL="4392176" indent="0">
               <a:buNone/>
-              <a:defRPr sz="7240" b="1"/>
+              <a:defRPr sz="5119" b="1"/>
             </a:lvl4pPr>
-            <a:lvl5pPr marL="8282045" indent="0">
+            <a:lvl5pPr marL="5856234" indent="0">
               <a:buNone/>
-              <a:defRPr sz="7240" b="1"/>
+              <a:defRPr sz="5119" b="1"/>
             </a:lvl5pPr>
-            <a:lvl6pPr marL="10352556" indent="0">
+            <a:lvl6pPr marL="7320292" indent="0">
               <a:buNone/>
-              <a:defRPr sz="7240" b="1"/>
+              <a:defRPr sz="5119" b="1"/>
             </a:lvl6pPr>
-            <a:lvl7pPr marL="12423068" indent="0">
+            <a:lvl7pPr marL="8784351" indent="0">
               <a:buNone/>
-              <a:defRPr sz="7240" b="1"/>
+              <a:defRPr sz="5119" b="1"/>
             </a:lvl7pPr>
-            <a:lvl8pPr marL="14493578" indent="0">
+            <a:lvl8pPr marL="10248409" indent="0">
               <a:buNone/>
-              <a:defRPr sz="7240" b="1"/>
+              <a:defRPr sz="5119" b="1"/>
             </a:lvl8pPr>
-            <a:lvl9pPr marL="16564088" indent="0">
+            <a:lvl9pPr marL="11712467" indent="0">
               <a:buNone/>
-              <a:defRPr sz="7240" b="1"/>
+              <a:defRPr sz="5119" b="1"/>
             </a:lvl9pPr>
           </a:lstStyle>
           <a:p>
@@ -2117,39 +2117,39 @@
         </p:nvSpPr>
         <p:spPr>
           <a:xfrm>
-            <a:off x="21579208" y="9590097"/>
-            <a:ext cx="18776713" cy="17423169"/>
+            <a:off x="15379389" y="6781385"/>
+            <a:ext cx="13382066" cy="12320336"/>
           </a:xfrm>
         </p:spPr>
         <p:txBody>
           <a:bodyPr/>
           <a:lstStyle>
             <a:lvl1pPr>
-              <a:defRPr sz="10908"/>
+              <a:defRPr sz="7713"/>
             </a:lvl1pPr>
             <a:lvl2pPr>
-              <a:defRPr sz="9024"/>
+              <a:defRPr sz="6381"/>
             </a:lvl2pPr>
             <a:lvl3pPr>
-              <a:defRPr sz="8131"/>
+              <a:defRPr sz="5749"/>
             </a:lvl3pPr>
             <a:lvl4pPr>
-              <a:defRPr sz="7240"/>
+              <a:defRPr sz="5119"/>
             </a:lvl4pPr>
             <a:lvl5pPr>
-              <a:defRPr sz="7240"/>
+              <a:defRPr sz="5119"/>
             </a:lvl5pPr>
             <a:lvl6pPr>
-              <a:defRPr sz="7240"/>
+              <a:defRPr sz="5119"/>
             </a:lvl6pPr>
             <a:lvl7pPr>
-              <a:defRPr sz="7240"/>
+              <a:defRPr sz="5119"/>
             </a:lvl7pPr>
             <a:lvl8pPr>
-              <a:defRPr sz="7240"/>
+              <a:defRPr sz="5119"/>
             </a:lvl8pPr>
             <a:lvl9pPr>
-              <a:defRPr sz="7240"/>
+              <a:defRPr sz="5119"/>
             </a:lvl9pPr>
           </a:lstStyle>
           <a:p>
@@ -2508,15 +2508,15 @@
         </p:nvSpPr>
         <p:spPr>
           <a:xfrm>
-            <a:off x="2123998" y="1204011"/>
-            <a:ext cx="13975599" cy="5124048"/>
+            <a:off x="1513763" y="851385"/>
+            <a:ext cx="9960337" cy="3623336"/>
           </a:xfrm>
         </p:spPr>
         <p:txBody>
           <a:bodyPr anchor="b"/>
           <a:lstStyle>
             <a:lvl1pPr algn="l">
-              <a:defRPr sz="9024" b="1"/>
+              <a:defRPr sz="6381" b="1"/>
             </a:lvl1pPr>
           </a:lstStyle>
           <a:p>
@@ -2539,39 +2539,39 @@
         </p:nvSpPr>
         <p:spPr>
           <a:xfrm>
-            <a:off x="16608468" y="1204020"/>
-            <a:ext cx="23747452" cy="25809248"/>
+            <a:off x="11836769" y="851391"/>
+            <a:ext cx="16924685" cy="18250332"/>
           </a:xfrm>
         </p:spPr>
         <p:txBody>
           <a:bodyPr/>
           <a:lstStyle>
             <a:lvl1pPr>
-              <a:defRPr sz="14479"/>
+              <a:defRPr sz="10238"/>
             </a:lvl1pPr>
             <a:lvl2pPr>
-              <a:defRPr sz="12694"/>
+              <a:defRPr sz="8976"/>
             </a:lvl2pPr>
             <a:lvl3pPr>
-              <a:defRPr sz="10908"/>
+              <a:defRPr sz="7713"/>
             </a:lvl3pPr>
             <a:lvl4pPr>
-              <a:defRPr sz="9024"/>
+              <a:defRPr sz="6381"/>
             </a:lvl4pPr>
             <a:lvl5pPr>
-              <a:defRPr sz="9024"/>
+              <a:defRPr sz="6381"/>
             </a:lvl5pPr>
             <a:lvl6pPr>
-              <a:defRPr sz="9024"/>
+              <a:defRPr sz="6381"/>
             </a:lvl6pPr>
             <a:lvl7pPr>
-              <a:defRPr sz="9024"/>
+              <a:defRPr sz="6381"/>
             </a:lvl7pPr>
             <a:lvl8pPr>
-              <a:defRPr sz="9024"/>
+              <a:defRPr sz="6381"/>
             </a:lvl8pPr>
             <a:lvl9pPr>
-              <a:defRPr sz="9024"/>
+              <a:defRPr sz="6381"/>
             </a:lvl9pPr>
           </a:lstStyle>
           <a:p>
@@ -2623,8 +2623,8 @@
         </p:nvSpPr>
         <p:spPr>
           <a:xfrm>
-            <a:off x="2123998" y="6328067"/>
-            <a:ext cx="13975599" cy="20685200"/>
+            <a:off x="1513763" y="4474726"/>
+            <a:ext cx="9960337" cy="14626996"/>
           </a:xfrm>
         </p:spPr>
         <p:txBody>
@@ -2632,39 +2632,39 @@
           <a:lstStyle>
             <a:lvl1pPr marL="0" indent="0">
               <a:buNone/>
-              <a:defRPr sz="6346"/>
+              <a:defRPr sz="4487"/>
             </a:lvl1pPr>
-            <a:lvl2pPr marL="2070512" indent="0">
+            <a:lvl2pPr marL="1464059" indent="0">
               <a:buNone/>
-              <a:defRPr sz="5455"/>
+              <a:defRPr sz="3857"/>
             </a:lvl2pPr>
-            <a:lvl3pPr marL="4141022" indent="0">
+            <a:lvl3pPr marL="2928117" indent="0">
               <a:buNone/>
-              <a:defRPr sz="4561"/>
+              <a:defRPr sz="3225"/>
             </a:lvl3pPr>
-            <a:lvl4pPr marL="6211534" indent="0">
+            <a:lvl4pPr marL="4392176" indent="0">
               <a:buNone/>
-              <a:defRPr sz="4066"/>
+              <a:defRPr sz="2875"/>
             </a:lvl4pPr>
-            <a:lvl5pPr marL="8282045" indent="0">
+            <a:lvl5pPr marL="5856234" indent="0">
               <a:buNone/>
-              <a:defRPr sz="4066"/>
+              <a:defRPr sz="2875"/>
             </a:lvl5pPr>
-            <a:lvl6pPr marL="10352556" indent="0">
+            <a:lvl6pPr marL="7320292" indent="0">
               <a:buNone/>
-              <a:defRPr sz="4066"/>
+              <a:defRPr sz="2875"/>
             </a:lvl6pPr>
-            <a:lvl7pPr marL="12423068" indent="0">
+            <a:lvl7pPr marL="8784351" indent="0">
               <a:buNone/>
-              <a:defRPr sz="4066"/>
+              <a:defRPr sz="2875"/>
             </a:lvl7pPr>
-            <a:lvl8pPr marL="14493578" indent="0">
+            <a:lvl8pPr marL="10248409" indent="0">
               <a:buNone/>
-              <a:defRPr sz="4066"/>
+              <a:defRPr sz="2875"/>
             </a:lvl8pPr>
-            <a:lvl9pPr marL="16564088" indent="0">
+            <a:lvl9pPr marL="11712467" indent="0">
               <a:buNone/>
-              <a:defRPr sz="4066"/>
+              <a:defRPr sz="2875"/>
             </a:lvl9pPr>
           </a:lstStyle>
           <a:p>
@@ -2783,15 +2783,15 @@
         </p:nvSpPr>
         <p:spPr>
           <a:xfrm>
-            <a:off x="8326364" y="21168201"/>
-            <a:ext cx="25487948" cy="2499026"/>
+            <a:off x="5934156" y="14968537"/>
+            <a:ext cx="18165128" cy="1767121"/>
           </a:xfrm>
         </p:spPr>
         <p:txBody>
           <a:bodyPr anchor="b"/>
           <a:lstStyle>
             <a:lvl1pPr algn="l">
-              <a:defRPr sz="9024" b="1"/>
+              <a:defRPr sz="6381" b="1"/>
             </a:lvl1pPr>
           </a:lstStyle>
           <a:p>
@@ -2814,8 +2814,8 @@
         </p:nvSpPr>
         <p:spPr>
           <a:xfrm>
-            <a:off x="8326364" y="2702026"/>
-            <a:ext cx="25487948" cy="18144173"/>
+            <a:off x="5934156" y="1910667"/>
+            <a:ext cx="18165128" cy="12830175"/>
           </a:xfrm>
         </p:spPr>
         <p:txBody>
@@ -2823,39 +2823,39 @@
           <a:lstStyle>
             <a:lvl1pPr marL="0" indent="0">
               <a:buNone/>
-              <a:defRPr sz="14479"/>
+              <a:defRPr sz="10238"/>
             </a:lvl1pPr>
-            <a:lvl2pPr marL="2070512" indent="0">
+            <a:lvl2pPr marL="1464059" indent="0">
               <a:buNone/>
-              <a:defRPr sz="12694"/>
+              <a:defRPr sz="8976"/>
             </a:lvl2pPr>
-            <a:lvl3pPr marL="4141022" indent="0">
+            <a:lvl3pPr marL="2928117" indent="0">
               <a:buNone/>
-              <a:defRPr sz="10908"/>
+              <a:defRPr sz="7713"/>
             </a:lvl3pPr>
-            <a:lvl4pPr marL="6211534" indent="0">
+            <a:lvl4pPr marL="4392176" indent="0">
               <a:buNone/>
-              <a:defRPr sz="9024"/>
+              <a:defRPr sz="6381"/>
             </a:lvl4pPr>
-            <a:lvl5pPr marL="8282045" indent="0">
+            <a:lvl5pPr marL="5856234" indent="0">
               <a:buNone/>
-              <a:defRPr sz="9024"/>
+              <a:defRPr sz="6381"/>
             </a:lvl5pPr>
-            <a:lvl6pPr marL="10352556" indent="0">
+            <a:lvl6pPr marL="7320292" indent="0">
               <a:buNone/>
-              <a:defRPr sz="9024"/>
+              <a:defRPr sz="6381"/>
             </a:lvl6pPr>
-            <a:lvl7pPr marL="12423068" indent="0">
+            <a:lvl7pPr marL="8784351" indent="0">
               <a:buNone/>
-              <a:defRPr sz="9024"/>
+              <a:defRPr sz="6381"/>
             </a:lvl7pPr>
-            <a:lvl8pPr marL="14493578" indent="0">
+            <a:lvl8pPr marL="10248409" indent="0">
               <a:buNone/>
-              <a:defRPr sz="9024"/>
+              <a:defRPr sz="6381"/>
             </a:lvl8pPr>
-            <a:lvl9pPr marL="16564088" indent="0">
+            <a:lvl9pPr marL="11712467" indent="0">
               <a:buNone/>
-              <a:defRPr sz="9024"/>
+              <a:defRPr sz="6381"/>
             </a:lvl9pPr>
           </a:lstStyle>
           <a:p>
@@ -2875,8 +2875,8 @@
         </p:nvSpPr>
         <p:spPr>
           <a:xfrm>
-            <a:off x="8326364" y="23667233"/>
-            <a:ext cx="25487948" cy="3549032"/>
+            <a:off x="5934156" y="16735662"/>
+            <a:ext cx="18165128" cy="2509605"/>
           </a:xfrm>
         </p:spPr>
         <p:txBody>
@@ -2884,39 +2884,39 @@
           <a:lstStyle>
             <a:lvl1pPr marL="0" indent="0">
               <a:buNone/>
-              <a:defRPr sz="6346"/>
+              <a:defRPr sz="4487"/>
             </a:lvl1pPr>
-            <a:lvl2pPr marL="2070512" indent="0">
+            <a:lvl2pPr marL="1464059" indent="0">
               <a:buNone/>
-              <a:defRPr sz="5455"/>
+              <a:defRPr sz="3857"/>
             </a:lvl2pPr>
-            <a:lvl3pPr marL="4141022" indent="0">
+            <a:lvl3pPr marL="2928117" indent="0">
               <a:buNone/>
-              <a:defRPr sz="4561"/>
+              <a:defRPr sz="3225"/>
             </a:lvl3pPr>
-            <a:lvl4pPr marL="6211534" indent="0">
+            <a:lvl4pPr marL="4392176" indent="0">
               <a:buNone/>
-              <a:defRPr sz="4066"/>
+              <a:defRPr sz="2875"/>
             </a:lvl4pPr>
-            <a:lvl5pPr marL="8282045" indent="0">
+            <a:lvl5pPr marL="5856234" indent="0">
               <a:buNone/>
-              <a:defRPr sz="4066"/>
+              <a:defRPr sz="2875"/>
             </a:lvl5pPr>
-            <a:lvl6pPr marL="10352556" indent="0">
+            <a:lvl6pPr marL="7320292" indent="0">
               <a:buNone/>
-              <a:defRPr sz="4066"/>
+              <a:defRPr sz="2875"/>
             </a:lvl6pPr>
-            <a:lvl7pPr marL="12423068" indent="0">
+            <a:lvl7pPr marL="8784351" indent="0">
               <a:buNone/>
-              <a:defRPr sz="4066"/>
+              <a:defRPr sz="2875"/>
             </a:lvl7pPr>
-            <a:lvl8pPr marL="14493578" indent="0">
+            <a:lvl8pPr marL="10248409" indent="0">
               <a:buNone/>
-              <a:defRPr sz="4066"/>
+              <a:defRPr sz="2875"/>
             </a:lvl8pPr>
-            <a:lvl9pPr marL="16564088" indent="0">
+            <a:lvl9pPr marL="11712467" indent="0">
               <a:buNone/>
-              <a:defRPr sz="4066"/>
+              <a:defRPr sz="2875"/>
             </a:lvl9pPr>
           </a:lstStyle>
           <a:p>
@@ -3040,8 +3040,8 @@
         </p:nvSpPr>
         <p:spPr>
           <a:xfrm>
-            <a:off x="2123997" y="1211018"/>
-            <a:ext cx="38231921" cy="5040049"/>
+            <a:off x="1513762" y="856340"/>
+            <a:ext cx="27247691" cy="3563938"/>
           </a:xfrm>
           <a:prstGeom prst="rect">
             <a:avLst/>
@@ -3072,8 +3072,8 @@
         </p:nvSpPr>
         <p:spPr>
           <a:xfrm>
-            <a:off x="2123997" y="7056076"/>
-            <a:ext cx="38231921" cy="19957191"/>
+            <a:off x="1513762" y="4989519"/>
+            <a:ext cx="27247691" cy="14112203"/>
           </a:xfrm>
           <a:prstGeom prst="rect">
             <a:avLst/>
@@ -3133,8 +3133,8 @@
         </p:nvSpPr>
         <p:spPr>
           <a:xfrm>
-            <a:off x="2123997" y="28028271"/>
-            <a:ext cx="9911978" cy="1610014"/>
+            <a:off x="1513762" y="19819455"/>
+            <a:ext cx="7064215" cy="1138479"/>
           </a:xfrm>
           <a:prstGeom prst="rect">
             <a:avLst/>
@@ -3144,7 +3144,7 @@
           <a:bodyPr vert="horz" lIns="417588" tIns="208794" rIns="417588" bIns="208794" rtlCol="0" anchor="ctr"/>
           <a:lstStyle>
             <a:lvl1pPr algn="l">
-              <a:defRPr sz="5455">
+              <a:defRPr sz="3857">
                 <a:solidFill>
                   <a:schemeClr val="tx1">
                     <a:tint val="75000"/>
@@ -3174,8 +3174,8 @@
         </p:nvSpPr>
         <p:spPr>
           <a:xfrm>
-            <a:off x="14513975" y="28028271"/>
-            <a:ext cx="13451973" cy="1610014"/>
+            <a:off x="10344035" y="19819455"/>
+            <a:ext cx="9587151" cy="1138479"/>
           </a:xfrm>
           <a:prstGeom prst="rect">
             <a:avLst/>
@@ -3185,7 +3185,7 @@
           <a:bodyPr vert="horz" lIns="417588" tIns="208794" rIns="417588" bIns="208794" rtlCol="0" anchor="ctr"/>
           <a:lstStyle>
             <a:lvl1pPr algn="ctr">
-              <a:defRPr sz="5455">
+              <a:defRPr sz="3857">
                 <a:solidFill>
                   <a:schemeClr val="tx1">
                     <a:tint val="75000"/>
@@ -3211,8 +3211,8 @@
         </p:nvSpPr>
         <p:spPr>
           <a:xfrm>
-            <a:off x="30443940" y="28028271"/>
-            <a:ext cx="9911978" cy="1610014"/>
+            <a:off x="21697238" y="19819455"/>
+            <a:ext cx="7064215" cy="1138479"/>
           </a:xfrm>
           <a:prstGeom prst="rect">
             <a:avLst/>
@@ -3222,7 +3222,7 @@
           <a:bodyPr vert="horz" lIns="417588" tIns="208794" rIns="417588" bIns="208794" rtlCol="0" anchor="ctr"/>
           <a:lstStyle>
             <a:lvl1pPr algn="r">
-              <a:defRPr sz="5455">
+              <a:defRPr sz="3857">
                 <a:solidFill>
                   <a:schemeClr val="tx1">
                     <a:tint val="75000"/>
@@ -3263,12 +3263,12 @@
   </p:sldLayoutIdLst>
   <p:txStyles>
     <p:titleStyle>
-      <a:lvl1pPr algn="ctr" defTabSz="2070512" rtl="0" eaLnBrk="1" latinLnBrk="0" hangingPunct="1">
+      <a:lvl1pPr algn="ctr" defTabSz="1464059" rtl="0" eaLnBrk="1" latinLnBrk="0" hangingPunct="1">
         <a:spcBef>
           <a:spcPct val="0"/>
         </a:spcBef>
         <a:buNone/>
-        <a:defRPr sz="19933" kern="1200">
+        <a:defRPr sz="14095" kern="1200">
           <a:solidFill>
             <a:schemeClr val="tx1"/>
           </a:solidFill>
@@ -3279,13 +3279,13 @@
       </a:lvl1pPr>
     </p:titleStyle>
     <p:bodyStyle>
-      <a:lvl1pPr marL="1552885" indent="-1552885" algn="l" defTabSz="2070512" rtl="0" eaLnBrk="1" latinLnBrk="0" hangingPunct="1">
+      <a:lvl1pPr marL="1098045" indent="-1098045" algn="l" defTabSz="1464059" rtl="0" eaLnBrk="1" latinLnBrk="0" hangingPunct="1">
         <a:spcBef>
           <a:spcPct val="20000"/>
         </a:spcBef>
         <a:buFont typeface="Arial"/>
         <a:buChar char="•"/>
-        <a:defRPr sz="14479" kern="1200">
+        <a:defRPr sz="10238" kern="1200">
           <a:solidFill>
             <a:schemeClr val="tx1"/>
           </a:solidFill>
@@ -3294,13 +3294,13 @@
           <a:cs typeface="+mn-cs"/>
         </a:defRPr>
       </a:lvl1pPr>
-      <a:lvl2pPr marL="3364582" indent="-1294071" algn="l" defTabSz="2070512" rtl="0" eaLnBrk="1" latinLnBrk="0" hangingPunct="1">
+      <a:lvl2pPr marL="2379096" indent="-915038" algn="l" defTabSz="1464059" rtl="0" eaLnBrk="1" latinLnBrk="0" hangingPunct="1">
         <a:spcBef>
           <a:spcPct val="20000"/>
         </a:spcBef>
         <a:buFont typeface="Arial"/>
         <a:buChar char="–"/>
-        <a:defRPr sz="12694" kern="1200">
+        <a:defRPr sz="8976" kern="1200">
           <a:solidFill>
             <a:schemeClr val="tx1"/>
           </a:solidFill>
@@ -3309,13 +3309,13 @@
           <a:cs typeface="+mn-cs"/>
         </a:defRPr>
       </a:lvl2pPr>
-      <a:lvl3pPr marL="5176277" indent="-1035256" algn="l" defTabSz="2070512" rtl="0" eaLnBrk="1" latinLnBrk="0" hangingPunct="1">
+      <a:lvl3pPr marL="3660145" indent="-732030" algn="l" defTabSz="1464059" rtl="0" eaLnBrk="1" latinLnBrk="0" hangingPunct="1">
         <a:spcBef>
           <a:spcPct val="20000"/>
         </a:spcBef>
         <a:buFont typeface="Arial"/>
         <a:buChar char="•"/>
-        <a:defRPr sz="10908" kern="1200">
+        <a:defRPr sz="7713" kern="1200">
           <a:solidFill>
             <a:schemeClr val="tx1"/>
           </a:solidFill>
@@ -3324,13 +3324,13 @@
           <a:cs typeface="+mn-cs"/>
         </a:defRPr>
       </a:lvl3pPr>
-      <a:lvl4pPr marL="7246789" indent="-1035256" algn="l" defTabSz="2070512" rtl="0" eaLnBrk="1" latinLnBrk="0" hangingPunct="1">
+      <a:lvl4pPr marL="5124205" indent="-732030" algn="l" defTabSz="1464059" rtl="0" eaLnBrk="1" latinLnBrk="0" hangingPunct="1">
         <a:spcBef>
           <a:spcPct val="20000"/>
         </a:spcBef>
         <a:buFont typeface="Arial"/>
         <a:buChar char="–"/>
-        <a:defRPr sz="9024" kern="1200">
+        <a:defRPr sz="6381" kern="1200">
           <a:solidFill>
             <a:schemeClr val="tx1"/>
           </a:solidFill>
@@ -3339,13 +3339,13 @@
           <a:cs typeface="+mn-cs"/>
         </a:defRPr>
       </a:lvl4pPr>
-      <a:lvl5pPr marL="9317301" indent="-1035256" algn="l" defTabSz="2070512" rtl="0" eaLnBrk="1" latinLnBrk="0" hangingPunct="1">
+      <a:lvl5pPr marL="6588264" indent="-732030" algn="l" defTabSz="1464059" rtl="0" eaLnBrk="1" latinLnBrk="0" hangingPunct="1">
         <a:spcBef>
           <a:spcPct val="20000"/>
         </a:spcBef>
         <a:buFont typeface="Arial"/>
         <a:buChar char="»"/>
-        <a:defRPr sz="9024" kern="1200">
+        <a:defRPr sz="6381" kern="1200">
           <a:solidFill>
             <a:schemeClr val="tx1"/>
           </a:solidFill>
@@ -3354,13 +3354,13 @@
           <a:cs typeface="+mn-cs"/>
         </a:defRPr>
       </a:lvl5pPr>
-      <a:lvl6pPr marL="11387811" indent="-1035256" algn="l" defTabSz="2070512" rtl="0" eaLnBrk="1" latinLnBrk="0" hangingPunct="1">
+      <a:lvl6pPr marL="8052321" indent="-732030" algn="l" defTabSz="1464059" rtl="0" eaLnBrk="1" latinLnBrk="0" hangingPunct="1">
         <a:spcBef>
           <a:spcPct val="20000"/>
         </a:spcBef>
         <a:buFont typeface="Arial"/>
         <a:buChar char="•"/>
-        <a:defRPr sz="9024" kern="1200">
+        <a:defRPr sz="6381" kern="1200">
           <a:solidFill>
             <a:schemeClr val="tx1"/>
           </a:solidFill>
@@ -3369,13 +3369,13 @@
           <a:cs typeface="+mn-cs"/>
         </a:defRPr>
       </a:lvl6pPr>
-      <a:lvl7pPr marL="13458321" indent="-1035256" algn="l" defTabSz="2070512" rtl="0" eaLnBrk="1" latinLnBrk="0" hangingPunct="1">
+      <a:lvl7pPr marL="9516379" indent="-732030" algn="l" defTabSz="1464059" rtl="0" eaLnBrk="1" latinLnBrk="0" hangingPunct="1">
         <a:spcBef>
           <a:spcPct val="20000"/>
         </a:spcBef>
         <a:buFont typeface="Arial"/>
         <a:buChar char="•"/>
-        <a:defRPr sz="9024" kern="1200">
+        <a:defRPr sz="6381" kern="1200">
           <a:solidFill>
             <a:schemeClr val="tx1"/>
           </a:solidFill>
@@ -3384,13 +3384,13 @@
           <a:cs typeface="+mn-cs"/>
         </a:defRPr>
       </a:lvl7pPr>
-      <a:lvl8pPr marL="15528832" indent="-1035256" algn="l" defTabSz="2070512" rtl="0" eaLnBrk="1" latinLnBrk="0" hangingPunct="1">
+      <a:lvl8pPr marL="10980437" indent="-732030" algn="l" defTabSz="1464059" rtl="0" eaLnBrk="1" latinLnBrk="0" hangingPunct="1">
         <a:spcBef>
           <a:spcPct val="20000"/>
         </a:spcBef>
         <a:buFont typeface="Arial"/>
         <a:buChar char="•"/>
-        <a:defRPr sz="9024" kern="1200">
+        <a:defRPr sz="6381" kern="1200">
           <a:solidFill>
             <a:schemeClr val="tx1"/>
           </a:solidFill>
@@ -3399,13 +3399,13 @@
           <a:cs typeface="+mn-cs"/>
         </a:defRPr>
       </a:lvl8pPr>
-      <a:lvl9pPr marL="17599344" indent="-1035256" algn="l" defTabSz="2070512" rtl="0" eaLnBrk="1" latinLnBrk="0" hangingPunct="1">
+      <a:lvl9pPr marL="12444496" indent="-732030" algn="l" defTabSz="1464059" rtl="0" eaLnBrk="1" latinLnBrk="0" hangingPunct="1">
         <a:spcBef>
           <a:spcPct val="20000"/>
         </a:spcBef>
         <a:buFont typeface="Arial"/>
         <a:buChar char="•"/>
-        <a:defRPr sz="9024" kern="1200">
+        <a:defRPr sz="6381" kern="1200">
           <a:solidFill>
             <a:schemeClr val="tx1"/>
           </a:solidFill>
@@ -3419,8 +3419,8 @@
       <a:defPPr>
         <a:defRPr lang="en-US"/>
       </a:defPPr>
-      <a:lvl1pPr marL="0" algn="l" defTabSz="2070512" rtl="0" eaLnBrk="1" latinLnBrk="0" hangingPunct="1">
-        <a:defRPr sz="8131" kern="1200">
+      <a:lvl1pPr marL="0" algn="l" defTabSz="1464059" rtl="0" eaLnBrk="1" latinLnBrk="0" hangingPunct="1">
+        <a:defRPr sz="5749" kern="1200">
           <a:solidFill>
             <a:schemeClr val="tx1"/>
           </a:solidFill>
@@ -3429,8 +3429,8 @@
           <a:cs typeface="+mn-cs"/>
         </a:defRPr>
       </a:lvl1pPr>
-      <a:lvl2pPr marL="2070512" algn="l" defTabSz="2070512" rtl="0" eaLnBrk="1" latinLnBrk="0" hangingPunct="1">
-        <a:defRPr sz="8131" kern="1200">
+      <a:lvl2pPr marL="1464059" algn="l" defTabSz="1464059" rtl="0" eaLnBrk="1" latinLnBrk="0" hangingPunct="1">
+        <a:defRPr sz="5749" kern="1200">
           <a:solidFill>
             <a:schemeClr val="tx1"/>
           </a:solidFill>
@@ -3439,8 +3439,8 @@
           <a:cs typeface="+mn-cs"/>
         </a:defRPr>
       </a:lvl2pPr>
-      <a:lvl3pPr marL="4141022" algn="l" defTabSz="2070512" rtl="0" eaLnBrk="1" latinLnBrk="0" hangingPunct="1">
-        <a:defRPr sz="8131" kern="1200">
+      <a:lvl3pPr marL="2928117" algn="l" defTabSz="1464059" rtl="0" eaLnBrk="1" latinLnBrk="0" hangingPunct="1">
+        <a:defRPr sz="5749" kern="1200">
           <a:solidFill>
             <a:schemeClr val="tx1"/>
           </a:solidFill>
@@ -3449,8 +3449,8 @@
           <a:cs typeface="+mn-cs"/>
         </a:defRPr>
       </a:lvl3pPr>
-      <a:lvl4pPr marL="6211534" algn="l" defTabSz="2070512" rtl="0" eaLnBrk="1" latinLnBrk="0" hangingPunct="1">
-        <a:defRPr sz="8131" kern="1200">
+      <a:lvl4pPr marL="4392176" algn="l" defTabSz="1464059" rtl="0" eaLnBrk="1" latinLnBrk="0" hangingPunct="1">
+        <a:defRPr sz="5749" kern="1200">
           <a:solidFill>
             <a:schemeClr val="tx1"/>
           </a:solidFill>
@@ -3459,8 +3459,8 @@
           <a:cs typeface="+mn-cs"/>
         </a:defRPr>
       </a:lvl4pPr>
-      <a:lvl5pPr marL="8282045" algn="l" defTabSz="2070512" rtl="0" eaLnBrk="1" latinLnBrk="0" hangingPunct="1">
-        <a:defRPr sz="8131" kern="1200">
+      <a:lvl5pPr marL="5856234" algn="l" defTabSz="1464059" rtl="0" eaLnBrk="1" latinLnBrk="0" hangingPunct="1">
+        <a:defRPr sz="5749" kern="1200">
           <a:solidFill>
             <a:schemeClr val="tx1"/>
           </a:solidFill>
@@ -3469,8 +3469,8 @@
           <a:cs typeface="+mn-cs"/>
         </a:defRPr>
       </a:lvl5pPr>
-      <a:lvl6pPr marL="10352556" algn="l" defTabSz="2070512" rtl="0" eaLnBrk="1" latinLnBrk="0" hangingPunct="1">
-        <a:defRPr sz="8131" kern="1200">
+      <a:lvl6pPr marL="7320292" algn="l" defTabSz="1464059" rtl="0" eaLnBrk="1" latinLnBrk="0" hangingPunct="1">
+        <a:defRPr sz="5749" kern="1200">
           <a:solidFill>
             <a:schemeClr val="tx1"/>
           </a:solidFill>
@@ -3479,8 +3479,8 @@
           <a:cs typeface="+mn-cs"/>
         </a:defRPr>
       </a:lvl6pPr>
-      <a:lvl7pPr marL="12423068" algn="l" defTabSz="2070512" rtl="0" eaLnBrk="1" latinLnBrk="0" hangingPunct="1">
-        <a:defRPr sz="8131" kern="1200">
+      <a:lvl7pPr marL="8784351" algn="l" defTabSz="1464059" rtl="0" eaLnBrk="1" latinLnBrk="0" hangingPunct="1">
+        <a:defRPr sz="5749" kern="1200">
           <a:solidFill>
             <a:schemeClr val="tx1"/>
           </a:solidFill>
@@ -3489,8 +3489,8 @@
           <a:cs typeface="+mn-cs"/>
         </a:defRPr>
       </a:lvl7pPr>
-      <a:lvl8pPr marL="14493578" algn="l" defTabSz="2070512" rtl="0" eaLnBrk="1" latinLnBrk="0" hangingPunct="1">
-        <a:defRPr sz="8131" kern="1200">
+      <a:lvl8pPr marL="10248409" algn="l" defTabSz="1464059" rtl="0" eaLnBrk="1" latinLnBrk="0" hangingPunct="1">
+        <a:defRPr sz="5749" kern="1200">
           <a:solidFill>
             <a:schemeClr val="tx1"/>
           </a:solidFill>
@@ -3499,8 +3499,8 @@
           <a:cs typeface="+mn-cs"/>
         </a:defRPr>
       </a:lvl8pPr>
-      <a:lvl9pPr marL="16564088" algn="l" defTabSz="2070512" rtl="0" eaLnBrk="1" latinLnBrk="0" hangingPunct="1">
-        <a:defRPr sz="8131" kern="1200">
+      <a:lvl9pPr marL="11712467" algn="l" defTabSz="1464059" rtl="0" eaLnBrk="1" latinLnBrk="0" hangingPunct="1">
+        <a:defRPr sz="5749" kern="1200">
           <a:solidFill>
             <a:schemeClr val="tx1"/>
           </a:solidFill>
@@ -3539,8 +3539,8 @@
         </p:nvSpPr>
         <p:spPr>
           <a:xfrm>
-            <a:off x="-36462" y="26398"/>
-            <a:ext cx="42479913" cy="1723549"/>
+            <a:off x="92546" y="5184"/>
+            <a:ext cx="30038555" cy="1245726"/>
           </a:xfrm>
           <a:prstGeom prst="rect">
             <a:avLst/>
@@ -3559,7 +3559,7 @@
           <a:p>
             <a:pPr algn="ctr"/>
             <a:r>
-              <a:rPr lang="en-US" sz="6600" b="1" dirty="0">
+              <a:rPr lang="en-US" sz="4667" b="1" dirty="0">
                 <a:solidFill>
                   <a:schemeClr val="bg1"/>
                 </a:solidFill>
@@ -3571,7 +3571,7 @@
           <a:p>
             <a:pPr algn="ctr"/>
             <a:r>
-              <a:rPr lang="tr-TR" sz="4000" b="1" dirty="0">
+              <a:rPr lang="tr-TR" sz="2828" b="1" dirty="0">
                 <a:solidFill>
                   <a:srgbClr val="FFFFFF"/>
                 </a:solidFill>
@@ -3581,7 +3581,7 @@
               <a:t>Onur Keleş </a:t>
             </a:r>
             <a:r>
-              <a:rPr lang="en-US" sz="4000" b="1" dirty="0">
+              <a:rPr lang="en-US" sz="2828" b="1" dirty="0">
                 <a:solidFill>
                   <a:srgbClr val="FFFFFF"/>
                 </a:solidFill>
@@ -3591,7 +3591,7 @@
               <a:t>(</a:t>
             </a:r>
             <a:r>
-              <a:rPr lang="tr-TR" sz="4000" b="1" dirty="0">
+              <a:rPr lang="tr-TR" sz="2828" b="1" dirty="0">
                 <a:solidFill>
                   <a:srgbClr val="FFFFFF"/>
                 </a:solidFill>
@@ -3601,7 +3601,7 @@
               <a:t>Boğaziçi </a:t>
             </a:r>
             <a:r>
-              <a:rPr lang="tr-TR" sz="4000" b="1" dirty="0" err="1">
+              <a:rPr lang="tr-TR" sz="2828" b="1" dirty="0" err="1">
                 <a:solidFill>
                   <a:srgbClr val="FFFFFF"/>
                 </a:solidFill>
@@ -3611,7 +3611,7 @@
               <a:t>University</a:t>
             </a:r>
             <a:r>
-              <a:rPr lang="tr-TR" sz="4000" b="1" dirty="0">
+              <a:rPr lang="tr-TR" sz="2828" b="1" dirty="0">
                 <a:solidFill>
                   <a:srgbClr val="FFFFFF"/>
                 </a:solidFill>
@@ -3621,7 +3621,7 @@
               <a:t>, </a:t>
             </a:r>
             <a:r>
-              <a:rPr lang="tr-TR" sz="4000" b="1" dirty="0">
+              <a:rPr lang="tr-TR" sz="2828" b="1" dirty="0">
                 <a:solidFill>
                   <a:srgbClr val="FFFFFF"/>
                 </a:solidFill>
@@ -3632,7 +3632,7 @@
               <a:t>onurkeles.boun@gmail.com</a:t>
             </a:r>
             <a:r>
-              <a:rPr lang="tr-TR" sz="4000" b="1" dirty="0">
+              <a:rPr lang="tr-TR" sz="2828" b="1" dirty="0">
                 <a:solidFill>
                   <a:srgbClr val="FFFFFF"/>
                 </a:solidFill>
@@ -3642,7 +3642,7 @@
               <a:t>) &amp; Kadir Gökgöz (Boğaziçi </a:t>
             </a:r>
             <a:r>
-              <a:rPr lang="tr-TR" sz="4000" b="1" dirty="0" err="1">
+              <a:rPr lang="tr-TR" sz="2828" b="1" dirty="0" err="1">
                 <a:solidFill>
                   <a:srgbClr val="FFFFFF"/>
                 </a:solidFill>
@@ -3652,7 +3652,7 @@
               <a:t>University</a:t>
             </a:r>
             <a:r>
-              <a:rPr lang="tr-TR" sz="4000" b="1" dirty="0">
+              <a:rPr lang="tr-TR" sz="2828" b="1" dirty="0">
                 <a:solidFill>
                   <a:srgbClr val="FFFFFF"/>
                 </a:solidFill>
@@ -3662,7 +3662,7 @@
               <a:t>, </a:t>
             </a:r>
             <a:r>
-              <a:rPr lang="tr-TR" sz="4000" b="1" dirty="0">
+              <a:rPr lang="tr-TR" sz="2828" b="1" dirty="0">
                 <a:solidFill>
                   <a:srgbClr val="FFFFFF"/>
                 </a:solidFill>
@@ -3673,7 +3673,7 @@
               <a:t>kadir.gokgoz1@boun.edu.tr</a:t>
             </a:r>
             <a:r>
-              <a:rPr lang="tr-TR" sz="4000" b="1" dirty="0">
+              <a:rPr lang="tr-TR" sz="2828" b="1" dirty="0">
                 <a:solidFill>
                   <a:srgbClr val="FFFFFF"/>
                 </a:solidFill>
@@ -3693,10 +3693,10 @@
         </p:nvGrpSpPr>
         <p:grpSpPr>
           <a:xfrm>
-            <a:off x="39738" y="1885800"/>
-            <a:ext cx="14060067" cy="1124937"/>
+            <a:off x="146429" y="1333492"/>
+            <a:ext cx="9942207" cy="822542"/>
             <a:chOff x="132937" y="3333815"/>
-            <a:chExt cx="13800665" cy="440311"/>
+            <a:chExt cx="13800665" cy="455296"/>
           </a:xfrm>
         </p:grpSpPr>
         <p:sp>
@@ -3707,8 +3707,8 @@
           </p:nvSpPr>
           <p:spPr>
             <a:xfrm>
-              <a:off x="218126" y="3678305"/>
-              <a:ext cx="13715476" cy="95821"/>
+              <a:off x="218125" y="3678305"/>
+              <a:ext cx="13715477" cy="110806"/>
             </a:xfrm>
             <a:prstGeom prst="rect">
               <a:avLst/>
@@ -3721,7 +3721,7 @@
             </a:bodyPr>
             <a:lstStyle/>
             <a:p>
-              <a:endParaRPr lang="tr-TR" sz="991" b="1" dirty="0">
+              <a:endParaRPr lang="tr-TR" sz="701" b="1" dirty="0">
                 <a:solidFill>
                   <a:srgbClr val="C00000"/>
                 </a:solidFill>
@@ -3740,7 +3740,7 @@
           <p:spPr>
             <a:xfrm>
               <a:off x="132937" y="3333815"/>
-              <a:ext cx="13800665" cy="322901"/>
+              <a:ext cx="13800665" cy="337919"/>
             </a:xfrm>
             <a:prstGeom prst="rect">
               <a:avLst/>
@@ -3759,7 +3759,7 @@
             <a:p>
               <a:pPr algn="ctr"/>
               <a:r>
-                <a:rPr lang="en-US" sz="4761" b="1" dirty="0">
+                <a:rPr lang="en-US" sz="3367" b="1" dirty="0">
                   <a:solidFill>
                     <a:srgbClr val="FFFFFF"/>
                   </a:solidFill>
@@ -3780,8 +3780,8 @@
         </p:nvSpPr>
         <p:spPr>
           <a:xfrm>
-            <a:off x="39738" y="22311823"/>
-            <a:ext cx="14060067" cy="707885"/>
+            <a:off x="146429" y="15777219"/>
+            <a:ext cx="9942207" cy="527517"/>
           </a:xfrm>
           <a:prstGeom prst="rect">
             <a:avLst/>
@@ -3800,7 +3800,7 @@
           <a:p>
             <a:pPr algn="ctr"/>
             <a:r>
-              <a:rPr lang="en-US" sz="4000" b="1" dirty="0">
+              <a:rPr lang="en-US" sz="2828" b="1" dirty="0">
                 <a:solidFill>
                   <a:srgbClr val="FFFFFF"/>
                 </a:solidFill>
@@ -3820,10 +3820,10 @@
         </p:nvGrpSpPr>
         <p:grpSpPr>
           <a:xfrm>
-            <a:off x="26115" y="26383835"/>
-            <a:ext cx="13964876" cy="3766535"/>
+            <a:off x="136796" y="18656627"/>
+            <a:ext cx="9874895" cy="2842759"/>
             <a:chOff x="93251" y="38491843"/>
-            <a:chExt cx="14632357" cy="1332354"/>
+            <a:chExt cx="14632357" cy="1422074"/>
           </a:xfrm>
         </p:grpSpPr>
         <p:sp>
@@ -3835,7 +3835,7 @@
           <p:spPr>
             <a:xfrm>
               <a:off x="93251" y="38789920"/>
-              <a:ext cx="14532617" cy="1034277"/>
+              <a:ext cx="14532617" cy="1123997"/>
             </a:xfrm>
             <a:prstGeom prst="rect">
               <a:avLst/>
@@ -3850,194 +3850,194 @@
             <a:p>
               <a:pPr algn="just"/>
               <a:r>
-                <a:rPr lang="en-US" sz="1400" i="1" dirty="0"/>
+                <a:rPr lang="en-US" sz="990" i="1" dirty="0"/>
                 <a:t>[1] </a:t>
               </a:r>
               <a:r>
-                <a:rPr lang="en-US" sz="1400" i="1" dirty="0" err="1"/>
+                <a:rPr lang="en-US" sz="990" i="1" dirty="0" err="1"/>
                 <a:t>Ahn</a:t>
               </a:r>
               <a:r>
-                <a:rPr lang="en-US" sz="1400" i="1" dirty="0"/>
+                <a:rPr lang="en-US" sz="990" i="1" dirty="0"/>
                 <a:t> D. The determinacy scale: A competition mechanism for anaphoric expressions [PhD Thesis]. Harvard University;</a:t>
               </a:r>
               <a:r>
-                <a:rPr lang="en-US" sz="1400" dirty="0"/>
+                <a:rPr lang="en-US" sz="990" dirty="0"/>
                 <a:t> </a:t>
               </a:r>
               <a:r>
-                <a:rPr lang="en-US" sz="1400" i="1" dirty="0"/>
+                <a:rPr lang="en-US" sz="990" i="1" dirty="0"/>
                 <a:t>2019. [2] Ariel M. Accessing Noun-Phrase Antecedents. Routledge; 1990. 284 p. [3] Becker C. Narrative competences of Deaf children in German</a:t>
               </a:r>
               <a:r>
-                <a:rPr lang="en-US" sz="1400" dirty="0"/>
+                <a:rPr lang="en-US" sz="990" dirty="0"/>
                 <a:t> </a:t>
               </a:r>
               <a:r>
-                <a:rPr lang="en-US" sz="1400" i="1" dirty="0"/>
+                <a:rPr lang="en-US" sz="990" i="1" dirty="0"/>
                 <a:t>Sign Language. Sign Language &amp; Linguistics. 2009, 12(2):113–60 [4] Bel A, </a:t>
               </a:r>
               <a:r>
-                <a:rPr lang="en-US" sz="1400" i="1" dirty="0" err="1"/>
+                <a:rPr lang="en-US" sz="990" i="1" dirty="0" err="1"/>
                 <a:t>Ortells</a:t>
               </a:r>
               <a:r>
-                <a:rPr lang="en-US" sz="1400" i="1" dirty="0"/>
+                <a:rPr lang="en-US" sz="990" i="1" dirty="0"/>
                 <a:t> M, Morgan G. Reference control in the narratives of adult</a:t>
               </a:r>
               <a:r>
-                <a:rPr lang="en-US" sz="1400" dirty="0"/>
+                <a:rPr lang="en-US" sz="990" dirty="0"/>
                 <a:t> </a:t>
               </a:r>
               <a:r>
-                <a:rPr lang="en-US" sz="1400" i="1" dirty="0"/>
+                <a:rPr lang="en-US" sz="990" i="1" dirty="0"/>
                 <a:t>sign language learners. International Journal of Bilingualism. 2015;19(5):608–24 [5] Boudreault P, Mayberry R. Grammatical processing in American Sign Language: Age of first-language acquisition effects in relation to syntactic structure. Language and Cognitive Processes. 2006. [6] </a:t>
               </a:r>
               <a:r>
-                <a:rPr lang="en-US" sz="1400" i="1" dirty="0" err="1"/>
+                <a:rPr lang="en-US" sz="990" i="1" dirty="0" err="1"/>
                 <a:t>Bürkner</a:t>
               </a:r>
               <a:r>
-                <a:rPr lang="en-US" sz="1400" i="1" dirty="0"/>
+                <a:rPr lang="en-US" sz="990" i="1" dirty="0"/>
                 <a:t> P-C. Advanced Bayesian Multilevel Modeling with</a:t>
               </a:r>
               <a:r>
-                <a:rPr lang="en-US" sz="1400" dirty="0"/>
+                <a:rPr lang="en-US" sz="990" dirty="0"/>
                 <a:t> </a:t>
               </a:r>
               <a:r>
-                <a:rPr lang="en-US" sz="1400" i="1" dirty="0"/>
+                <a:rPr lang="en-US" sz="990" i="1" dirty="0"/>
                 <a:t>the R Package brms. The R Journal. 2018; 10(1):395. [7] </a:t>
               </a:r>
               <a:r>
-                <a:rPr lang="en-US" sz="1400" i="1" dirty="0" err="1"/>
+                <a:rPr lang="en-US" sz="990" i="1" dirty="0" err="1"/>
                 <a:t>Czubek</a:t>
               </a:r>
               <a:r>
-                <a:rPr lang="en-US" sz="1400" i="1" dirty="0"/>
+                <a:rPr lang="en-US" sz="990" i="1" dirty="0"/>
                 <a:t> TA. A comprehensive study of referring expressions in ASL. 2017;244. [8]</a:t>
               </a:r>
               <a:r>
-                <a:rPr lang="en-US" sz="1400" dirty="0"/>
+                <a:rPr lang="en-US" sz="990" dirty="0"/>
                 <a:t> </a:t>
               </a:r>
               <a:r>
-                <a:rPr lang="en-US" sz="1400" i="1" dirty="0"/>
+                <a:rPr lang="en-US" sz="990" i="1" dirty="0"/>
                 <a:t>Frederiksen AT, Mayberry RI. Reference tracking in early stages of different modality L2 acquisition: Limited over-explicitness in novice ASL</a:t>
               </a:r>
               <a:r>
-                <a:rPr lang="en-US" sz="1400" dirty="0"/>
+                <a:rPr lang="en-US" sz="990" dirty="0"/>
                 <a:t> </a:t>
               </a:r>
               <a:r>
-                <a:rPr lang="en-US" sz="1400" i="1" dirty="0"/>
+                <a:rPr lang="en-US" sz="990" i="1" dirty="0"/>
                 <a:t>signers’ referring expressions. Second Language Research. 2019;35(2):253–83. [9] Morgan G. Discourse cohesion in sign and speech. 2000. [10]</a:t>
               </a:r>
               <a:r>
-                <a:rPr lang="en-US" sz="1400" dirty="0"/>
+                <a:rPr lang="en-US" sz="990" dirty="0"/>
                 <a:t> </a:t>
               </a:r>
               <a:r>
-                <a:rPr lang="en-US" sz="1400" i="1" dirty="0" err="1"/>
+                <a:rPr lang="en-US" sz="990" i="1" dirty="0" err="1"/>
                 <a:t>Nuhbalaoglu</a:t>
               </a:r>
               <a:r>
-                <a:rPr lang="en-US" sz="1400" i="1" dirty="0"/>
+                <a:rPr lang="en-US" sz="990" i="1" dirty="0"/>
                 <a:t> D. Comprehension and production of referential expressions in German Sign Language and Turkish Sign Language: An empirical</a:t>
               </a:r>
               <a:r>
-                <a:rPr lang="en-US" sz="1400" dirty="0"/>
+                <a:rPr lang="en-US" sz="990" dirty="0"/>
                 <a:t> </a:t>
               </a:r>
               <a:r>
-                <a:rPr lang="en-US" sz="1400" i="1" dirty="0"/>
+                <a:rPr lang="en-US" sz="990" i="1" dirty="0"/>
                 <a:t>approach [Doctoral Dissertation]. [Germany]: Georg-August-Universität Göttingen; 2018. [11] </a:t>
               </a:r>
               <a:r>
-                <a:rPr lang="en-US" sz="1400" i="1" dirty="0" err="1"/>
+                <a:rPr lang="en-US" sz="990" i="1" dirty="0" err="1"/>
                 <a:t>Perniss</a:t>
               </a:r>
               <a:r>
-                <a:rPr lang="en-US" sz="1400" i="1" dirty="0"/>
+                <a:rPr lang="en-US" sz="990" i="1" dirty="0"/>
                 <a:t> P, </a:t>
               </a:r>
               <a:r>
-                <a:rPr lang="en-US" sz="1400" i="1" dirty="0" err="1"/>
+                <a:rPr lang="en-US" sz="990" i="1" dirty="0" err="1"/>
                 <a:t>Özyürek</a:t>
               </a:r>
               <a:r>
-                <a:rPr lang="en-US" sz="1400" i="1" dirty="0"/>
+                <a:rPr lang="en-US" sz="990" i="1" dirty="0"/>
                 <a:t> A. Visible Cohesion: A Comparison of Reference Tracking in Sign, Speech, and Co-Speech Gesture. Topics in Cognitive Science. 2015. [12] </a:t>
               </a:r>
               <a:r>
-                <a:rPr lang="en-US" sz="1400" i="1" dirty="0" err="1"/>
+                <a:rPr lang="en-US" sz="990" i="1" dirty="0" err="1"/>
                 <a:t>Sloetjes</a:t>
               </a:r>
               <a:r>
-                <a:rPr lang="en-US" sz="1400" i="1" dirty="0"/>
+                <a:rPr lang="en-US" sz="990" i="1" dirty="0"/>
                 <a:t> H, </a:t>
               </a:r>
               <a:r>
-                <a:rPr lang="en-US" sz="1400" i="1" dirty="0" err="1"/>
+                <a:rPr lang="en-US" sz="990" i="1" dirty="0" err="1"/>
                 <a:t>Wittenburg</a:t>
               </a:r>
               <a:r>
-                <a:rPr lang="en-US" sz="1400" i="1" dirty="0"/>
+                <a:rPr lang="en-US" sz="990" i="1" dirty="0"/>
                 <a:t> P. Annotation by Category:</a:t>
               </a:r>
               <a:r>
-                <a:rPr lang="en-US" sz="1400" dirty="0"/>
+                <a:rPr lang="en-US" sz="990" dirty="0"/>
                 <a:t> </a:t>
               </a:r>
               <a:r>
-                <a:rPr lang="en-US" sz="1400" i="1" dirty="0"/>
+                <a:rPr lang="en-US" sz="990" i="1" dirty="0"/>
                 <a:t>ELAN and ISO DCR. In: Proceedings of the Sixth International Conference on Language Resources and Evaluation (LREC’08). Marrakech,</a:t>
               </a:r>
               <a:r>
-                <a:rPr lang="en-US" sz="1400" dirty="0"/>
+                <a:rPr lang="en-US" sz="990" dirty="0"/>
                 <a:t> </a:t>
               </a:r>
               <a:r>
-                <a:rPr lang="en-US" sz="1400" i="1" dirty="0"/>
+                <a:rPr lang="en-US" sz="990" i="1" dirty="0"/>
                 <a:t>Morocco: European Language Resources Association (ELRA); 2008. [13] Swabey LA. The Cognitive Status, Form and Distribution of Referring</a:t>
               </a:r>
               <a:r>
-                <a:rPr lang="en-US" sz="1400" dirty="0"/>
+                <a:rPr lang="en-US" sz="990" dirty="0"/>
                 <a:t> </a:t>
               </a:r>
               <a:r>
-                <a:rPr lang="en-US" sz="1400" i="1" dirty="0"/>
+                <a:rPr lang="en-US" sz="990" i="1" dirty="0"/>
                 <a:t>Expressions in ASL and English Narratives [Unpublished Doctoral Dissertation]. [</a:t>
               </a:r>
               <a:r>
-                <a:rPr lang="en-US" sz="1400" i="1" dirty="0" err="1"/>
+                <a:rPr lang="en-US" sz="990" i="1" dirty="0" err="1"/>
                 <a:t>Minnepolis</a:t>
               </a:r>
               <a:r>
-                <a:rPr lang="en-US" sz="1400" i="1" dirty="0"/>
+                <a:rPr lang="en-US" sz="990" i="1" dirty="0"/>
                 <a:t>, USA]: University of Minnesota; 2002. [14] Toole</a:t>
               </a:r>
               <a:r>
-                <a:rPr lang="en-US" sz="1400" dirty="0"/>
+                <a:rPr lang="en-US" sz="990" dirty="0"/>
                 <a:t> </a:t>
               </a:r>
               <a:r>
-                <a:rPr lang="en-US" sz="1400" i="1" dirty="0"/>
+                <a:rPr lang="en-US" sz="990" i="1" dirty="0"/>
                 <a:t>J. The Effect of Genre on Referential Choice. In 1996. p. 263. [15] Williams J. Zero Anaphora in Second Language Acquisition: A Comparison</a:t>
               </a:r>
               <a:r>
-                <a:rPr lang="en-US" sz="1400" dirty="0"/>
+                <a:rPr lang="en-US" sz="990" dirty="0"/>
                 <a:t> </a:t>
               </a:r>
               <a:r>
-                <a:rPr lang="en-US" sz="1400" i="1" dirty="0"/>
+                <a:rPr lang="en-US" sz="990" i="1" dirty="0"/>
                 <a:t>among Three Varieties of English. Studies in Second Language Acquisition. 1988; 10(3):339–70.</a:t>
               </a:r>
-              <a:endParaRPr lang="en-US" sz="1400" dirty="0"/>
+              <a:endParaRPr lang="en-US" sz="990" dirty="0"/>
             </a:p>
             <a:p>
               <a:pPr algn="just"/>
-              <a:endParaRPr lang="en-US" sz="1600" i="1" dirty="0">
+              <a:endParaRPr lang="en-US" sz="1131" i="1" dirty="0">
                 <a:solidFill>
                   <a:schemeClr val="tx2"/>
                 </a:solidFill>
@@ -4056,7 +4056,7 @@
           <p:spPr>
             <a:xfrm>
               <a:off x="93251" y="38491843"/>
-              <a:ext cx="14632357" cy="248544"/>
+              <a:ext cx="14632357" cy="262058"/>
             </a:xfrm>
             <a:prstGeom prst="rect">
               <a:avLst/>
@@ -4075,7 +4075,7 @@
             <a:p>
               <a:pPr algn="ctr"/>
               <a:r>
-                <a:rPr lang="en-US" sz="3966" dirty="0">
+                <a:rPr lang="en-US" sz="2804" dirty="0">
                   <a:solidFill>
                     <a:srgbClr val="FFFFFF"/>
                   </a:solidFill>
@@ -4096,8 +4096,8 @@
         </p:nvSpPr>
         <p:spPr>
           <a:xfrm>
-            <a:off x="14058236" y="22530969"/>
-            <a:ext cx="14060066" cy="7294305"/>
+            <a:off x="10059242" y="15843691"/>
+            <a:ext cx="9942206" cy="5533502"/>
           </a:xfrm>
           <a:prstGeom prst="rect">
             <a:avLst/>
@@ -4111,7 +4111,7 @@
           <a:lstStyle/>
           <a:p>
             <a:r>
-              <a:rPr lang="en-US" sz="3200" b="1" dirty="0">
+              <a:rPr lang="en-US" sz="2263" b="1" dirty="0">
                 <a:latin typeface="Gill Sans MT" pitchFamily="34" charset="0"/>
                 <a:cs typeface="Times New Roman"/>
               </a:rPr>
@@ -4120,7 +4120,7 @@
           </a:p>
           <a:p>
             <a:r>
-              <a:rPr lang="en-US" sz="3200" dirty="0">
+              <a:rPr lang="en-US" sz="2263" dirty="0">
                 <a:latin typeface="Gill Sans MT" pitchFamily="34" charset="0"/>
                 <a:cs typeface="Times New Roman"/>
               </a:rPr>
@@ -4129,7 +4129,7 @@
           </a:p>
           <a:p>
             <a:r>
-              <a:rPr lang="en-US" sz="3200" dirty="0">
+              <a:rPr lang="en-US" sz="2263" dirty="0">
                 <a:latin typeface="Gill Sans MT" pitchFamily="34" charset="0"/>
                 <a:cs typeface="Times New Roman"/>
               </a:rPr>
@@ -4137,14 +4137,14 @@
             </a:r>
           </a:p>
           <a:p>
-            <a:endParaRPr lang="en-US" sz="3200" dirty="0">
+            <a:endParaRPr lang="en-US" sz="2263" dirty="0">
               <a:latin typeface="Gill Sans MT" pitchFamily="34" charset="0"/>
               <a:cs typeface="Times New Roman"/>
             </a:endParaRPr>
           </a:p>
           <a:p>
             <a:r>
-              <a:rPr lang="en-US" sz="3200" b="1" dirty="0">
+              <a:rPr lang="en-US" sz="2263" b="1" dirty="0">
                 <a:latin typeface="Gill Sans MT" pitchFamily="34" charset="0"/>
                 <a:cs typeface="Times New Roman"/>
               </a:rPr>
@@ -4153,7 +4153,7 @@
           </a:p>
           <a:p>
             <a:r>
-              <a:rPr lang="en-US" sz="3200" dirty="0">
+              <a:rPr lang="en-US" sz="2263" dirty="0">
                 <a:latin typeface="Gill Sans MT" pitchFamily="34" charset="0"/>
                 <a:cs typeface="Times New Roman"/>
               </a:rPr>
@@ -4161,14 +4161,14 @@
             </a:r>
           </a:p>
           <a:p>
-            <a:endParaRPr lang="en-US" sz="3200" b="1" dirty="0">
+            <a:endParaRPr lang="en-US" sz="2263" b="1" dirty="0">
               <a:latin typeface="Gill Sans MT" pitchFamily="34" charset="0"/>
               <a:cs typeface="Times New Roman"/>
             </a:endParaRPr>
           </a:p>
           <a:p>
             <a:r>
-              <a:rPr lang="en-US" sz="3200" b="1" dirty="0">
+              <a:rPr lang="en-US" sz="2263" b="1" dirty="0">
                 <a:latin typeface="Gill Sans MT" pitchFamily="34" charset="0"/>
                 <a:cs typeface="Times New Roman"/>
               </a:rPr>
@@ -4177,7 +4177,7 @@
           </a:p>
           <a:p>
             <a:r>
-              <a:rPr lang="en-US" sz="3200" dirty="0">
+              <a:rPr lang="en-US" sz="2263" dirty="0">
                 <a:latin typeface="Gill Sans MT" pitchFamily="34" charset="0"/>
                 <a:cs typeface="Times New Roman"/>
               </a:rPr>
@@ -4185,18 +4185,18 @@
             </a:r>
           </a:p>
           <a:p>
-            <a:pPr marL="571500" indent="-571500">
+            <a:pPr marL="404108" indent="-404108">
               <a:buAutoNum type="romanLcParenBoth"/>
             </a:pPr>
             <a:r>
-              <a:rPr lang="en-US" sz="2800" b="1" dirty="0">
+              <a:rPr lang="en-US" sz="1980" b="1" dirty="0">
                 <a:latin typeface="Gill Sans MT" pitchFamily="34" charset="0"/>
                 <a:cs typeface="Times New Roman"/>
               </a:rPr>
               <a:t>the number of propositions </a:t>
             </a:r>
             <a:r>
-              <a:rPr lang="en-US" sz="2800" dirty="0">
+              <a:rPr lang="en-US" sz="1980" dirty="0">
                 <a:latin typeface="Gill Sans MT" pitchFamily="34" charset="0"/>
                 <a:cs typeface="Times New Roman"/>
               </a:rPr>
@@ -4204,11 +4204,11 @@
             </a:r>
           </a:p>
           <a:p>
-            <a:pPr marL="571500" indent="-571500">
+            <a:pPr marL="404108" indent="-404108">
               <a:buAutoNum type="romanLcParenBoth"/>
             </a:pPr>
             <a:r>
-              <a:rPr lang="en-US" sz="2800" b="1" dirty="0">
+              <a:rPr lang="en-US" sz="1980" b="1" dirty="0">
                 <a:latin typeface="Gill Sans MT" pitchFamily="34" charset="0"/>
                 <a:cs typeface="Times New Roman"/>
               </a:rPr>
@@ -4216,18 +4216,18 @@
             </a:r>
           </a:p>
           <a:p>
-            <a:pPr marL="571500" indent="-571500">
+            <a:pPr marL="404108" indent="-404108">
               <a:buAutoNum type="romanLcParenBoth"/>
             </a:pPr>
             <a:r>
-              <a:rPr lang="en-US" sz="2800" b="1" dirty="0">
+              <a:rPr lang="en-US" sz="1980" b="1" dirty="0">
                 <a:latin typeface="Gill Sans MT" pitchFamily="34" charset="0"/>
                 <a:cs typeface="Times New Roman"/>
               </a:rPr>
               <a:t>number of matched competitors </a:t>
             </a:r>
             <a:r>
-              <a:rPr lang="en-US" sz="2800" dirty="0">
+              <a:rPr lang="en-US" sz="1980" dirty="0">
                 <a:latin typeface="Gill Sans MT" pitchFamily="34" charset="0"/>
                 <a:cs typeface="Times New Roman"/>
               </a:rPr>
@@ -4235,14 +4235,14 @@
             </a:r>
           </a:p>
           <a:p>
-            <a:endParaRPr lang="en-US" sz="3200" b="1" dirty="0">
+            <a:endParaRPr lang="en-US" sz="2263" b="1" dirty="0">
               <a:latin typeface="Gill Sans MT" pitchFamily="34" charset="0"/>
               <a:cs typeface="Times New Roman"/>
             </a:endParaRPr>
           </a:p>
           <a:p>
             <a:r>
-              <a:rPr lang="en-US" sz="3200" b="1" dirty="0">
+              <a:rPr lang="en-US" sz="2263" b="1" dirty="0">
                 <a:latin typeface="Gill Sans MT" pitchFamily="34" charset="0"/>
                 <a:cs typeface="Times New Roman"/>
               </a:rPr>
@@ -4251,7 +4251,7 @@
           </a:p>
           <a:p>
             <a:r>
-              <a:rPr lang="en-US" sz="3200" dirty="0">
+              <a:rPr lang="en-US" sz="2263" dirty="0">
                 <a:latin typeface="Gill Sans MT" pitchFamily="34" charset="0"/>
                 <a:cs typeface="Times New Roman"/>
               </a:rPr>
@@ -4268,8 +4268,8 @@
         </p:nvSpPr>
         <p:spPr>
           <a:xfrm>
-            <a:off x="14258435" y="1885802"/>
-            <a:ext cx="14060066" cy="824969"/>
+            <a:off x="10200807" y="1333494"/>
+            <a:ext cx="9942206" cy="610488"/>
           </a:xfrm>
           <a:prstGeom prst="rect">
             <a:avLst/>
@@ -4288,7 +4288,7 @@
           <a:p>
             <a:pPr algn="ctr"/>
             <a:r>
-              <a:rPr lang="tr-TR" sz="4761" b="1" dirty="0">
+              <a:rPr lang="tr-TR" sz="3367" b="1" dirty="0">
                 <a:solidFill>
                   <a:srgbClr val="FFFFFF"/>
                 </a:solidFill>
@@ -4297,7 +4297,7 @@
               </a:rPr>
               <a:t>HIGHLIGHTS</a:t>
             </a:r>
-            <a:endParaRPr lang="en-US" sz="4761" b="1" dirty="0">
+            <a:endParaRPr lang="en-US" sz="3367" b="1" dirty="0">
               <a:solidFill>
                 <a:srgbClr val="FFFFFF"/>
               </a:solidFill>
@@ -4321,8 +4321,8 @@
         </p:nvSpPr>
         <p:spPr>
           <a:xfrm>
-            <a:off x="39738" y="11617382"/>
-            <a:ext cx="14060067" cy="702627"/>
+            <a:off x="146429" y="8214926"/>
+            <a:ext cx="9942207" cy="523861"/>
           </a:xfrm>
           <a:prstGeom prst="rect">
             <a:avLst/>
@@ -4341,7 +4341,7 @@
           <a:p>
             <a:pPr algn="ctr"/>
             <a:r>
-              <a:rPr lang="tr-TR" sz="3966" b="1" dirty="0" err="1">
+              <a:rPr lang="tr-TR" sz="2804" b="1" dirty="0" err="1">
                 <a:solidFill>
                   <a:schemeClr val="bg1"/>
                 </a:solidFill>
@@ -4351,7 +4351,7 @@
               <a:t>Referent</a:t>
             </a:r>
             <a:r>
-              <a:rPr lang="tr-TR" sz="3966" b="1" dirty="0">
+              <a:rPr lang="tr-TR" sz="2804" b="1" dirty="0">
                 <a:solidFill>
                   <a:schemeClr val="bg1"/>
                 </a:solidFill>
@@ -4361,7 +4361,7 @@
               <a:t> </a:t>
             </a:r>
             <a:r>
-              <a:rPr lang="tr-TR" sz="3966" b="1" dirty="0" err="1">
+              <a:rPr lang="tr-TR" sz="2804" b="1" dirty="0" err="1">
                 <a:solidFill>
                   <a:schemeClr val="bg1"/>
                 </a:solidFill>
@@ -4371,7 +4371,7 @@
               <a:t>Tracking</a:t>
             </a:r>
             <a:r>
-              <a:rPr lang="tr-TR" sz="3966" b="1" dirty="0">
+              <a:rPr lang="tr-TR" sz="2804" b="1" dirty="0">
                 <a:solidFill>
                   <a:schemeClr val="bg1"/>
                 </a:solidFill>
@@ -4381,7 +4381,7 @@
               <a:t> in </a:t>
             </a:r>
             <a:r>
-              <a:rPr lang="tr-TR" sz="3966" b="1" dirty="0" err="1">
+              <a:rPr lang="tr-TR" sz="2804" b="1" dirty="0" err="1">
                 <a:solidFill>
                   <a:schemeClr val="bg1"/>
                 </a:solidFill>
@@ -4391,7 +4391,7 @@
               <a:t>Sign</a:t>
             </a:r>
             <a:r>
-              <a:rPr lang="tr-TR" sz="3966" b="1" dirty="0">
+              <a:rPr lang="tr-TR" sz="2804" b="1" dirty="0">
                 <a:solidFill>
                   <a:schemeClr val="bg1"/>
                 </a:solidFill>
@@ -4401,7 +4401,7 @@
               <a:t> </a:t>
             </a:r>
             <a:r>
-              <a:rPr lang="tr-TR" sz="3966" b="1" dirty="0" err="1">
+              <a:rPr lang="tr-TR" sz="2804" b="1" dirty="0" err="1">
                 <a:solidFill>
                   <a:schemeClr val="bg1"/>
                 </a:solidFill>
@@ -4410,7 +4410,7 @@
               </a:rPr>
               <a:t>Languages</a:t>
             </a:r>
-            <a:endParaRPr lang="en-US" sz="1983" dirty="0">
+            <a:endParaRPr lang="en-US" sz="1402" dirty="0">
               <a:solidFill>
                 <a:schemeClr val="bg1"/>
               </a:solidFill>
@@ -4441,8 +4441,8 @@
         </p:blipFill>
         <p:spPr>
           <a:xfrm>
-            <a:off x="76023066" y="-7216214"/>
-            <a:ext cx="828563" cy="815960"/>
+            <a:off x="53994373" y="-5102757"/>
+            <a:ext cx="585897" cy="576985"/>
           </a:xfrm>
           <a:prstGeom prst="rect">
             <a:avLst/>
@@ -4463,8 +4463,8 @@
         </p:nvSpPr>
         <p:spPr>
           <a:xfrm>
-            <a:off x="28445348" y="1866988"/>
-            <a:ext cx="13964876" cy="824970"/>
+            <a:off x="20232710" y="1320191"/>
+            <a:ext cx="9874895" cy="610488"/>
           </a:xfrm>
           <a:prstGeom prst="rect">
             <a:avLst/>
@@ -4483,7 +4483,7 @@
           <a:p>
             <a:pPr algn="ctr"/>
             <a:r>
-              <a:rPr lang="tr-TR" sz="4761" b="1" dirty="0">
+              <a:rPr lang="tr-TR" sz="3367" b="1" dirty="0">
                 <a:solidFill>
                   <a:srgbClr val="FFFFFF"/>
                 </a:solidFill>
@@ -4492,7 +4492,7 @@
               </a:rPr>
               <a:t>RESULTS</a:t>
             </a:r>
-            <a:endParaRPr lang="en-US" sz="4761" b="1" dirty="0">
+            <a:endParaRPr lang="en-US" sz="3367" b="1" dirty="0">
               <a:solidFill>
                 <a:srgbClr val="FFFFFF"/>
               </a:solidFill>
@@ -4524,8 +4524,8 @@
         </p:blipFill>
         <p:spPr>
           <a:xfrm>
-            <a:off x="-33566" y="-6117"/>
-            <a:ext cx="1883648" cy="1850309"/>
+            <a:off x="94594" y="-4326"/>
+            <a:ext cx="1331972" cy="1308397"/>
           </a:xfrm>
           <a:prstGeom prst="rect">
             <a:avLst/>
@@ -4546,8 +4546,8 @@
         </p:nvSpPr>
         <p:spPr>
           <a:xfrm>
-            <a:off x="14216855" y="3313258"/>
-            <a:ext cx="13973277" cy="4154984"/>
+            <a:off x="10171405" y="2342883"/>
+            <a:ext cx="9880836" cy="2964658"/>
           </a:xfrm>
           <a:prstGeom prst="rect">
             <a:avLst/>
@@ -4560,12 +4560,12 @@
           </a:bodyPr>
           <a:lstStyle/>
           <a:p>
-            <a:pPr marL="571500" indent="-571500">
+            <a:pPr marL="404108" indent="-404108">
               <a:buFontTx/>
               <a:buChar char="-"/>
             </a:pPr>
             <a:r>
-              <a:rPr lang="en-US" sz="4400" dirty="0">
+              <a:rPr lang="en-US" sz="3111" dirty="0">
                 <a:latin typeface="Gill Sans MT" pitchFamily="34" charset="0"/>
                 <a:cs typeface="Times New Roman"/>
               </a:rPr>
@@ -4573,22 +4573,22 @@
             </a:r>
           </a:p>
           <a:p>
-            <a:pPr marL="571500" indent="-571500">
+            <a:pPr marL="404108" indent="-404108">
               <a:buFontTx/>
               <a:buChar char="-"/>
             </a:pPr>
-            <a:endParaRPr lang="en-US" sz="4400" dirty="0">
+            <a:endParaRPr lang="en-US" sz="3111" dirty="0">
               <a:latin typeface="Gill Sans MT" pitchFamily="34" charset="0"/>
               <a:cs typeface="Times New Roman"/>
             </a:endParaRPr>
           </a:p>
           <a:p>
-            <a:pPr marL="571500" indent="-571500">
+            <a:pPr marL="404108" indent="-404108">
               <a:buFontTx/>
               <a:buChar char="-"/>
             </a:pPr>
             <a:r>
-              <a:rPr lang="en-US" sz="4400" dirty="0">
+              <a:rPr lang="en-US" sz="3111" dirty="0">
                 <a:latin typeface="Gill Sans MT" pitchFamily="34" charset="0"/>
                 <a:cs typeface="Times New Roman"/>
               </a:rPr>
@@ -4596,11 +4596,11 @@
             </a:r>
           </a:p>
           <a:p>
-            <a:pPr marL="571500" indent="-571500">
+            <a:pPr marL="404108" indent="-404108">
               <a:buFontTx/>
               <a:buChar char="-"/>
             </a:pPr>
-            <a:endParaRPr lang="en-US" sz="4400" dirty="0">
+            <a:endParaRPr lang="en-US" sz="3111" dirty="0">
               <a:latin typeface="Gill Sans MT" pitchFamily="34" charset="0"/>
               <a:cs typeface="Times New Roman"/>
             </a:endParaRPr>
@@ -4621,8 +4621,8 @@
         </p:nvSpPr>
         <p:spPr>
           <a:xfrm>
-            <a:off x="14071859" y="21563236"/>
-            <a:ext cx="14060067" cy="824970"/>
+            <a:off x="10068875" y="15247875"/>
+            <a:ext cx="9942207" cy="610488"/>
           </a:xfrm>
           <a:prstGeom prst="rect">
             <a:avLst/>
@@ -4641,7 +4641,7 @@
           <a:p>
             <a:pPr algn="ctr"/>
             <a:r>
-              <a:rPr lang="en-US" sz="4761" b="1" dirty="0">
+              <a:rPr lang="en-US" sz="3367" b="1" dirty="0">
                 <a:solidFill>
                   <a:srgbClr val="FFFFFF"/>
                 </a:solidFill>
@@ -4667,8 +4667,8 @@
         </p:nvSpPr>
         <p:spPr>
           <a:xfrm>
-            <a:off x="28268582" y="23155260"/>
-            <a:ext cx="14060067" cy="824970"/>
+            <a:off x="20107715" y="16373633"/>
+            <a:ext cx="9942207" cy="610488"/>
           </a:xfrm>
           <a:prstGeom prst="rect">
             <a:avLst/>
@@ -4687,7 +4687,7 @@
           <a:p>
             <a:pPr algn="ctr"/>
             <a:r>
-              <a:rPr lang="en-US" sz="4761" b="1" dirty="0">
+              <a:rPr lang="en-US" sz="3367" b="1" dirty="0">
                 <a:solidFill>
                   <a:srgbClr val="FFFFFF"/>
                 </a:solidFill>
@@ -4721,8 +4721,8 @@
         </p:blipFill>
         <p:spPr>
           <a:xfrm>
-            <a:off x="28626851" y="15864655"/>
-            <a:ext cx="13131773" cy="7191377"/>
+            <a:off x="20361055" y="11218274"/>
+            <a:ext cx="9285788" cy="5085193"/>
           </a:xfrm>
           <a:prstGeom prst="rect">
             <a:avLst/>
@@ -4751,8 +4751,8 @@
         </p:blipFill>
         <p:spPr>
           <a:xfrm>
-            <a:off x="28626851" y="8119144"/>
-            <a:ext cx="13140325" cy="6539534"/>
+            <a:off x="20361055" y="5741239"/>
+            <a:ext cx="9291836" cy="4624260"/>
           </a:xfrm>
           <a:prstGeom prst="rect">
             <a:avLst/>
@@ -4773,8 +4773,8 @@
         </p:nvSpPr>
         <p:spPr>
           <a:xfrm>
-            <a:off x="28833838" y="14699076"/>
-            <a:ext cx="12933337" cy="1077218"/>
+            <a:off x="20507420" y="10394065"/>
+            <a:ext cx="9145470" cy="788806"/>
           </a:xfrm>
           <a:prstGeom prst="rect">
             <a:avLst/>
@@ -4789,58 +4789,58 @@
           <a:p>
             <a:pPr algn="just"/>
             <a:r>
-              <a:rPr lang="en-US" sz="3200" b="1" i="1" dirty="0">
+              <a:rPr lang="en-US" sz="2263" b="1" i="1" dirty="0">
                 <a:latin typeface="Gill Sans MT" panose="020B0502020104020203" pitchFamily="34" charset="77"/>
               </a:rPr>
               <a:t>Native signers </a:t>
             </a:r>
             <a:r>
-              <a:rPr lang="en-US" sz="3200" i="1" dirty="0">
+              <a:rPr lang="en-US" sz="2263" i="1" dirty="0">
                 <a:latin typeface="Gill Sans MT" panose="020B0502020104020203" pitchFamily="34" charset="77"/>
               </a:rPr>
               <a:t>had </a:t>
             </a:r>
             <a:r>
-              <a:rPr lang="en-US" sz="3200" b="1" i="1" dirty="0">
+              <a:rPr lang="en-US" sz="2263" b="1" i="1" dirty="0">
                 <a:latin typeface="Gill Sans MT" panose="020B0502020104020203" pitchFamily="34" charset="77"/>
               </a:rPr>
               <a:t>slightly higher mean accessibility ratings </a:t>
             </a:r>
             <a:r>
-              <a:rPr lang="en-US" sz="3200" i="1" dirty="0">
+              <a:rPr lang="en-US" sz="2263" i="1" dirty="0">
                 <a:latin typeface="Gill Sans MT" panose="020B0502020104020203" pitchFamily="34" charset="77"/>
               </a:rPr>
               <a:t>(</a:t>
             </a:r>
             <a:r>
-              <a:rPr lang="el-GR" sz="3200" i="1" dirty="0"/>
+              <a:rPr lang="el-GR" sz="2263" i="1" dirty="0"/>
               <a:t>β = 0.14, 95% </a:t>
             </a:r>
             <a:r>
-              <a:rPr lang="en-US" sz="3200" i="1" dirty="0">
+              <a:rPr lang="en-US" sz="2263" i="1" dirty="0">
                 <a:latin typeface="Gill Sans MT" panose="020B0502020104020203" pitchFamily="34" charset="77"/>
               </a:rPr>
               <a:t>CI [0.01,</a:t>
             </a:r>
             <a:r>
-              <a:rPr lang="en-US" sz="3200" dirty="0">
+              <a:rPr lang="en-US" sz="2263" dirty="0">
                 <a:latin typeface="Gill Sans MT" panose="020B0502020104020203" pitchFamily="34" charset="77"/>
               </a:rPr>
               <a:t> </a:t>
             </a:r>
             <a:r>
-              <a:rPr lang="en-US" sz="3200" i="1" dirty="0">
+              <a:rPr lang="en-US" sz="2263" i="1" dirty="0">
                 <a:latin typeface="Gill Sans MT" panose="020B0502020104020203" pitchFamily="34" charset="77"/>
               </a:rPr>
               <a:t>0.28]) </a:t>
             </a:r>
             <a:r>
-              <a:rPr lang="en-US" sz="3200" b="1" i="1" dirty="0">
+              <a:rPr lang="en-US" sz="2263" b="1" i="1" dirty="0">
                 <a:latin typeface="Gill Sans MT" panose="020B0502020104020203" pitchFamily="34" charset="77"/>
               </a:rPr>
               <a:t>despite employing similar mean numbers of REAT.</a:t>
             </a:r>
-            <a:endParaRPr lang="en-US" sz="3200" b="1" dirty="0">
+            <a:endParaRPr lang="en-US" sz="2263" b="1" dirty="0">
               <a:latin typeface="Gill Sans MT" panose="020B0502020104020203" pitchFamily="34" charset="77"/>
             </a:endParaRPr>
           </a:p>
@@ -4868,8 +4868,8 @@
         </p:blipFill>
         <p:spPr>
           <a:xfrm>
-            <a:off x="22784302" y="23127366"/>
-            <a:ext cx="5104898" cy="1435100"/>
+            <a:off x="16229649" y="16353909"/>
+            <a:ext cx="3609795" cy="1014793"/>
           </a:xfrm>
           <a:prstGeom prst="rect">
             <a:avLst/>
@@ -4890,8 +4890,8 @@
         </p:nvSpPr>
         <p:spPr>
           <a:xfrm>
-            <a:off x="28757582" y="4794212"/>
-            <a:ext cx="13571067" cy="3046988"/>
+            <a:off x="20453498" y="3390101"/>
+            <a:ext cx="9596424" cy="2181751"/>
           </a:xfrm>
           <a:prstGeom prst="rect">
             <a:avLst/>
@@ -4906,49 +4906,49 @@
           <a:p>
             <a:pPr algn="just"/>
             <a:r>
-              <a:rPr lang="en-US" sz="3200" b="1" i="1" dirty="0">
+              <a:rPr lang="en-US" sz="2263" b="1" i="1" dirty="0">
                 <a:latin typeface="Gill Sans MT" panose="020B0502020104020203" pitchFamily="34" charset="77"/>
               </a:rPr>
               <a:t>Maintenance condition greatly increased accessibility ratings </a:t>
             </a:r>
             <a:r>
-              <a:rPr lang="en-US" sz="3200" i="1" dirty="0">
+              <a:rPr lang="en-US" sz="2263" i="1" dirty="0">
                 <a:latin typeface="Gill Sans MT" panose="020B0502020104020203" pitchFamily="34" charset="77"/>
               </a:rPr>
               <a:t>(</a:t>
             </a:r>
             <a:r>
-              <a:rPr lang="el-GR" sz="3200" i="1" dirty="0">
+              <a:rPr lang="el-GR" sz="2263" i="1" dirty="0">
                 <a:latin typeface="Gill Sans MT" panose="020B0502020104020203" pitchFamily="34" charset="77"/>
               </a:rPr>
               <a:t>β = 4.86, 95% </a:t>
             </a:r>
             <a:r>
-              <a:rPr lang="en-US" sz="3200" i="1" dirty="0">
+              <a:rPr lang="en-US" sz="2263" i="1" dirty="0">
                 <a:latin typeface="Gill Sans MT" panose="020B0502020104020203" pitchFamily="34" charset="77"/>
               </a:rPr>
               <a:t>CI [4.76, 4.95]) whereas </a:t>
             </a:r>
             <a:r>
-              <a:rPr lang="en-US" sz="3200" b="1" i="1" dirty="0">
+              <a:rPr lang="en-US" sz="2263" b="1" i="1" dirty="0">
                 <a:latin typeface="Gill Sans MT" panose="020B0502020104020203" pitchFamily="34" charset="77"/>
               </a:rPr>
               <a:t>introduction greatly decreased accessibility</a:t>
             </a:r>
             <a:r>
-              <a:rPr lang="en-US" sz="3200" i="1" dirty="0">
+              <a:rPr lang="en-US" sz="2263" i="1" dirty="0">
                 <a:latin typeface="Gill Sans MT" panose="020B0502020104020203" pitchFamily="34" charset="77"/>
               </a:rPr>
               <a:t> (</a:t>
             </a:r>
             <a:r>
-              <a:rPr lang="el-GR" sz="3200" i="1" dirty="0">
+              <a:rPr lang="el-GR" sz="2263" i="1" dirty="0">
                 <a:latin typeface="Gill Sans MT" panose="020B0502020104020203" pitchFamily="34" charset="77"/>
               </a:rPr>
               <a:t>β = - 4.68, 95% </a:t>
             </a:r>
             <a:r>
-              <a:rPr lang="en-US" sz="3200" i="1" dirty="0">
+              <a:rPr lang="en-US" sz="2263" i="1" dirty="0">
                 <a:latin typeface="Gill Sans MT" panose="020B0502020104020203" pitchFamily="34" charset="77"/>
               </a:rPr>
               <a:t>CI [-4.78, -4.58]). </a:t>
@@ -4956,25 +4956,25 @@
           </a:p>
           <a:p>
             <a:pPr algn="just"/>
-            <a:endParaRPr lang="en-US" sz="3200" i="1" dirty="0">
+            <a:endParaRPr lang="en-US" sz="2263" i="1" dirty="0">
               <a:latin typeface="Gill Sans MT" panose="020B0502020104020203" pitchFamily="34" charset="77"/>
             </a:endParaRPr>
           </a:p>
           <a:p>
             <a:pPr algn="just"/>
             <a:r>
-              <a:rPr lang="en-US" sz="3200" i="1" dirty="0">
+              <a:rPr lang="en-US" sz="2263" i="1" dirty="0">
                 <a:latin typeface="Gill Sans MT" panose="020B0502020104020203" pitchFamily="34" charset="77"/>
               </a:rPr>
               <a:t>NULL was used to maintain highly accessible referents but </a:t>
             </a:r>
             <a:r>
-              <a:rPr lang="en-US" sz="3200" b="1" i="1" dirty="0">
+              <a:rPr lang="en-US" sz="2263" b="1" i="1" dirty="0">
                 <a:latin typeface="Gill Sans MT" panose="020B0502020104020203" pitchFamily="34" charset="77"/>
               </a:rPr>
               <a:t>signers overall preferred NOM for lowly accessible referent introduction and re-introduction.</a:t>
             </a:r>
-            <a:endParaRPr lang="en-US" sz="3200" b="1" dirty="0">
+            <a:endParaRPr lang="en-US" sz="2263" b="1" dirty="0">
               <a:latin typeface="Gill Sans MT" pitchFamily="34" charset="0"/>
               <a:cs typeface="Times New Roman"/>
             </a:endParaRPr>
@@ -4995,8 +4995,8 @@
         </p:nvSpPr>
         <p:spPr>
           <a:xfrm>
-            <a:off x="17246789" y="7867484"/>
-            <a:ext cx="7781371" cy="7415876"/>
+            <a:off x="12511380" y="5563284"/>
+            <a:ext cx="5064986" cy="5270674"/>
           </a:xfrm>
           <a:prstGeom prst="rect">
             <a:avLst/>
@@ -5014,7 +5014,7 @@
           <a:lstStyle/>
           <a:p>
             <a:pPr algn="ctr"/>
-            <a:endParaRPr lang="en-US" sz="1983" dirty="0">
+            <a:endParaRPr lang="en-US" sz="1402" dirty="0">
               <a:solidFill>
                 <a:schemeClr val="bg1"/>
               </a:solidFill>
@@ -5024,7 +5024,7 @@
           </a:p>
           <a:p>
             <a:pPr algn="ctr"/>
-            <a:endParaRPr lang="en-US" sz="1983" dirty="0">
+            <a:endParaRPr lang="en-US" sz="1402" dirty="0">
               <a:solidFill>
                 <a:schemeClr val="bg1"/>
               </a:solidFill>
@@ -5034,7 +5034,7 @@
           </a:p>
           <a:p>
             <a:pPr algn="ctr"/>
-            <a:endParaRPr lang="en-US" sz="1983" dirty="0">
+            <a:endParaRPr lang="en-US" sz="1402" dirty="0">
               <a:solidFill>
                 <a:schemeClr val="bg1"/>
               </a:solidFill>
@@ -5044,7 +5044,7 @@
           </a:p>
           <a:p>
             <a:pPr algn="ctr"/>
-            <a:endParaRPr lang="en-US" sz="1983" dirty="0">
+            <a:endParaRPr lang="en-US" sz="1402" dirty="0">
               <a:solidFill>
                 <a:schemeClr val="bg1"/>
               </a:solidFill>
@@ -5054,7 +5054,7 @@
           </a:p>
           <a:p>
             <a:pPr algn="ctr"/>
-            <a:endParaRPr lang="en-US" sz="1983" dirty="0">
+            <a:endParaRPr lang="en-US" sz="1402" dirty="0">
               <a:solidFill>
                 <a:schemeClr val="bg1"/>
               </a:solidFill>
@@ -5064,7 +5064,7 @@
           </a:p>
           <a:p>
             <a:pPr algn="ctr"/>
-            <a:endParaRPr lang="en-US" sz="1983" dirty="0">
+            <a:endParaRPr lang="en-US" sz="1402" dirty="0">
               <a:solidFill>
                 <a:schemeClr val="bg1"/>
               </a:solidFill>
@@ -5074,7 +5074,7 @@
           </a:p>
           <a:p>
             <a:pPr algn="ctr"/>
-            <a:endParaRPr lang="en-US" sz="1983" dirty="0">
+            <a:endParaRPr lang="en-US" sz="1402" dirty="0">
               <a:solidFill>
                 <a:schemeClr val="bg1"/>
               </a:solidFill>
@@ -5084,7 +5084,7 @@
           </a:p>
           <a:p>
             <a:pPr algn="ctr"/>
-            <a:endParaRPr lang="en-US" sz="1983" dirty="0">
+            <a:endParaRPr lang="en-US" sz="1402" dirty="0">
               <a:solidFill>
                 <a:schemeClr val="bg1"/>
               </a:solidFill>
@@ -5094,7 +5094,7 @@
           </a:p>
           <a:p>
             <a:pPr algn="ctr"/>
-            <a:endParaRPr lang="en-US" sz="1983" dirty="0">
+            <a:endParaRPr lang="en-US" sz="1402" dirty="0">
               <a:solidFill>
                 <a:schemeClr val="bg1"/>
               </a:solidFill>
@@ -5104,7 +5104,7 @@
           </a:p>
           <a:p>
             <a:pPr algn="ctr"/>
-            <a:endParaRPr lang="en-US" sz="1983" dirty="0">
+            <a:endParaRPr lang="en-US" sz="1402" dirty="0">
               <a:solidFill>
                 <a:schemeClr val="bg1"/>
               </a:solidFill>
@@ -5114,7 +5114,7 @@
           </a:p>
           <a:p>
             <a:pPr algn="ctr"/>
-            <a:endParaRPr lang="en-US" sz="1983" dirty="0">
+            <a:endParaRPr lang="en-US" sz="1402" dirty="0">
               <a:solidFill>
                 <a:schemeClr val="bg1"/>
               </a:solidFill>
@@ -5124,7 +5124,7 @@
           </a:p>
           <a:p>
             <a:pPr algn="ctr"/>
-            <a:endParaRPr lang="en-US" sz="1983" dirty="0">
+            <a:endParaRPr lang="en-US" sz="1402" dirty="0">
               <a:solidFill>
                 <a:schemeClr val="bg1"/>
               </a:solidFill>
@@ -5134,7 +5134,7 @@
           </a:p>
           <a:p>
             <a:pPr algn="ctr"/>
-            <a:endParaRPr lang="en-US" sz="1983" dirty="0">
+            <a:endParaRPr lang="en-US" sz="1402" dirty="0">
               <a:solidFill>
                 <a:schemeClr val="bg1"/>
               </a:solidFill>
@@ -5144,7 +5144,7 @@
           </a:p>
           <a:p>
             <a:pPr algn="ctr"/>
-            <a:endParaRPr lang="en-US" sz="1983" dirty="0">
+            <a:endParaRPr lang="en-US" sz="1402" dirty="0">
               <a:solidFill>
                 <a:schemeClr val="bg1"/>
               </a:solidFill>
@@ -5154,7 +5154,7 @@
           </a:p>
           <a:p>
             <a:pPr algn="ctr"/>
-            <a:endParaRPr lang="en-US" sz="1983" dirty="0">
+            <a:endParaRPr lang="en-US" sz="1402" dirty="0">
               <a:solidFill>
                 <a:schemeClr val="bg1"/>
               </a:solidFill>
@@ -5164,7 +5164,7 @@
           </a:p>
           <a:p>
             <a:pPr algn="ctr"/>
-            <a:endParaRPr lang="en-US" sz="1983" dirty="0">
+            <a:endParaRPr lang="en-US" sz="1402" dirty="0">
               <a:solidFill>
                 <a:schemeClr val="bg1"/>
               </a:solidFill>
@@ -5174,7 +5174,7 @@
           </a:p>
           <a:p>
             <a:pPr algn="ctr"/>
-            <a:endParaRPr lang="en-US" sz="1983" dirty="0">
+            <a:endParaRPr lang="en-US" sz="1402" dirty="0">
               <a:solidFill>
                 <a:schemeClr val="bg1"/>
               </a:solidFill>
@@ -5184,7 +5184,7 @@
           </a:p>
           <a:p>
             <a:pPr algn="ctr"/>
-            <a:endParaRPr lang="en-US" sz="1983" dirty="0">
+            <a:endParaRPr lang="en-US" sz="1402" dirty="0">
               <a:solidFill>
                 <a:schemeClr val="bg1"/>
               </a:solidFill>
@@ -5194,7 +5194,7 @@
           </a:p>
           <a:p>
             <a:pPr algn="ctr"/>
-            <a:endParaRPr lang="en-US" sz="1983" dirty="0">
+            <a:endParaRPr lang="en-US" sz="1402" dirty="0">
               <a:solidFill>
                 <a:schemeClr val="bg1"/>
               </a:solidFill>
@@ -5204,7 +5204,7 @@
           </a:p>
           <a:p>
             <a:pPr algn="ctr"/>
-            <a:endParaRPr lang="en-US" sz="1983" dirty="0">
+            <a:endParaRPr lang="en-US" sz="1402" dirty="0">
               <a:solidFill>
                 <a:schemeClr val="bg1"/>
               </a:solidFill>
@@ -5214,7 +5214,7 @@
           </a:p>
           <a:p>
             <a:pPr algn="ctr"/>
-            <a:endParaRPr lang="en-US" sz="1983" dirty="0">
+            <a:endParaRPr lang="en-US" sz="1402" dirty="0">
               <a:solidFill>
                 <a:schemeClr val="bg1"/>
               </a:solidFill>
@@ -5224,7 +5224,7 @@
           </a:p>
           <a:p>
             <a:pPr algn="ctr"/>
-            <a:endParaRPr lang="en-US" sz="1983" dirty="0">
+            <a:endParaRPr lang="en-US" sz="1402" dirty="0">
               <a:solidFill>
                 <a:schemeClr val="bg1"/>
               </a:solidFill>
@@ -5234,7 +5234,7 @@
           </a:p>
           <a:p>
             <a:pPr algn="ctr"/>
-            <a:endParaRPr lang="en-US" sz="1983" dirty="0">
+            <a:endParaRPr lang="en-US" sz="1402" dirty="0">
               <a:solidFill>
                 <a:schemeClr val="bg1"/>
               </a:solidFill>
@@ -5244,7 +5244,7 @@
           </a:p>
           <a:p>
             <a:pPr algn="ctr"/>
-            <a:endParaRPr lang="en-US" sz="1983" dirty="0">
+            <a:endParaRPr lang="en-US" sz="1402" dirty="0">
               <a:solidFill>
                 <a:schemeClr val="bg1"/>
               </a:solidFill>
@@ -5268,8 +5268,8 @@
         </p:nvSpPr>
         <p:spPr>
           <a:xfrm>
-            <a:off x="14253317" y="16231243"/>
-            <a:ext cx="13973277" cy="4154984"/>
+            <a:off x="10197188" y="11477497"/>
+            <a:ext cx="9880836" cy="2964658"/>
           </a:xfrm>
           <a:prstGeom prst="rect">
             <a:avLst/>
@@ -5282,12 +5282,12 @@
           </a:bodyPr>
           <a:lstStyle/>
           <a:p>
-            <a:pPr marL="571500" indent="-571500">
+            <a:pPr marL="404108" indent="-404108">
               <a:buFontTx/>
               <a:buChar char="-"/>
             </a:pPr>
             <a:r>
-              <a:rPr lang="en-US" sz="4400" dirty="0">
+              <a:rPr lang="en-US" sz="3111" dirty="0">
                 <a:latin typeface="Gill Sans MT" pitchFamily="34" charset="0"/>
                 <a:cs typeface="Times New Roman"/>
               </a:rPr>
@@ -5295,22 +5295,22 @@
             </a:r>
           </a:p>
           <a:p>
-            <a:pPr marL="571500" indent="-571500">
+            <a:pPr marL="404108" indent="-404108">
               <a:buFontTx/>
               <a:buChar char="-"/>
             </a:pPr>
-            <a:endParaRPr lang="en-US" sz="4400" dirty="0">
+            <a:endParaRPr lang="en-US" sz="3111" dirty="0">
               <a:latin typeface="Gill Sans MT" pitchFamily="34" charset="0"/>
               <a:cs typeface="Times New Roman"/>
             </a:endParaRPr>
           </a:p>
           <a:p>
-            <a:pPr marL="571500" indent="-571500">
+            <a:pPr marL="404108" indent="-404108">
               <a:buFontTx/>
               <a:buChar char="-"/>
             </a:pPr>
             <a:r>
-              <a:rPr lang="en-US" sz="4400" dirty="0">
+              <a:rPr lang="en-US" sz="3111" dirty="0">
                 <a:latin typeface="Gill Sans MT" pitchFamily="34" charset="0"/>
                 <a:cs typeface="Times New Roman"/>
               </a:rPr>
@@ -5341,8 +5341,8 @@
         </p:blipFill>
         <p:spPr>
           <a:xfrm>
-            <a:off x="3807910" y="14242724"/>
-            <a:ext cx="3305256" cy="1735261"/>
+            <a:off x="2810993" y="10071368"/>
+            <a:ext cx="2337225" cy="1227044"/>
           </a:xfrm>
           <a:prstGeom prst="rect">
             <a:avLst/>
@@ -5370,8 +5370,8 @@
         </p:blipFill>
         <p:spPr>
           <a:xfrm>
-            <a:off x="908258" y="16877303"/>
-            <a:ext cx="10300918" cy="1693480"/>
+            <a:off x="760580" y="11934341"/>
+            <a:ext cx="7284024" cy="1197500"/>
           </a:xfrm>
           <a:prstGeom prst="rect">
             <a:avLst/>
@@ -5400,8 +5400,8 @@
         </p:blipFill>
         <p:spPr>
           <a:xfrm>
-            <a:off x="918798" y="19832517"/>
-            <a:ext cx="9427350" cy="1730196"/>
+            <a:off x="768033" y="14024043"/>
+            <a:ext cx="6666303" cy="1223463"/>
           </a:xfrm>
           <a:prstGeom prst="rect">
             <a:avLst/>
@@ -5422,8 +5422,8 @@
         </p:nvSpPr>
         <p:spPr>
           <a:xfrm>
-            <a:off x="461598" y="13688726"/>
-            <a:ext cx="2792752" cy="553998"/>
+            <a:off x="444736" y="9679622"/>
+            <a:ext cx="2026517" cy="418704"/>
           </a:xfrm>
           <a:prstGeom prst="rect">
             <a:avLst/>
@@ -5437,7 +5437,7 @@
           <a:lstStyle/>
           <a:p>
             <a:r>
-              <a:rPr lang="en-TR" sz="3000" dirty="0">
+              <a:rPr lang="en-TR" sz="2121" dirty="0">
                 <a:latin typeface="Gill Sans MT" panose="020B0502020104020203" pitchFamily="34" charset="77"/>
               </a:rPr>
               <a:t>Nominal (NOM)</a:t>
@@ -5467,8 +5467,8 @@
         </p:blipFill>
         <p:spPr>
           <a:xfrm>
-            <a:off x="908258" y="14298286"/>
-            <a:ext cx="1757204" cy="1610770"/>
+            <a:off x="760580" y="10110657"/>
+            <a:ext cx="1242561" cy="1139014"/>
           </a:xfrm>
           <a:prstGeom prst="rect">
             <a:avLst/>
@@ -5489,8 +5489,8 @@
         </p:nvSpPr>
         <p:spPr>
           <a:xfrm>
-            <a:off x="4000316" y="13688726"/>
-            <a:ext cx="3040641" cy="553998"/>
+            <a:off x="2947047" y="9679622"/>
+            <a:ext cx="2226892" cy="418704"/>
           </a:xfrm>
           <a:prstGeom prst="rect">
             <a:avLst/>
@@ -5504,7 +5504,7 @@
           <a:lstStyle/>
           <a:p>
             <a:r>
-              <a:rPr lang="en-TR" sz="3000" dirty="0">
+              <a:rPr lang="en-TR" sz="2121" dirty="0">
                 <a:latin typeface="Gill Sans MT" panose="020B0502020104020203" pitchFamily="34" charset="77"/>
               </a:rPr>
               <a:t>Pronominal (PRO)</a:t>
@@ -5526,8 +5526,8 @@
         </p:nvSpPr>
         <p:spPr>
           <a:xfrm>
-            <a:off x="5277438" y="16218566"/>
-            <a:ext cx="2569934" cy="553998"/>
+            <a:off x="3850131" y="11468532"/>
+            <a:ext cx="1864613" cy="418704"/>
           </a:xfrm>
           <a:prstGeom prst="rect">
             <a:avLst/>
@@ -5541,7 +5541,7 @@
           <a:lstStyle/>
           <a:p>
             <a:r>
-              <a:rPr lang="en-TR" sz="3000" dirty="0">
+              <a:rPr lang="en-TR" sz="2121" dirty="0">
                 <a:latin typeface="Gill Sans MT" panose="020B0502020104020203" pitchFamily="34" charset="77"/>
               </a:rPr>
               <a:t>Classifiers (CL)</a:t>
@@ -5563,8 +5563,8 @@
         </p:nvSpPr>
         <p:spPr>
           <a:xfrm>
-            <a:off x="1360654" y="18520735"/>
-            <a:ext cx="865943" cy="523220"/>
+            <a:off x="1080480" y="13096450"/>
+            <a:ext cx="665567" cy="397032"/>
           </a:xfrm>
           <a:prstGeom prst="rect">
             <a:avLst/>
@@ -5578,7 +5578,7 @@
           <a:lstStyle/>
           <a:p>
             <a:r>
-              <a:rPr lang="en-TR" sz="2800" i="1" dirty="0">
+              <a:rPr lang="en-TR" sz="1980" i="1" dirty="0">
                 <a:latin typeface="Gill Sans MT" panose="020B0502020104020203" pitchFamily="34" charset="77"/>
               </a:rPr>
               <a:t>WCL</a:t>
@@ -5600,8 +5600,8 @@
         </p:nvSpPr>
         <p:spPr>
           <a:xfrm>
-            <a:off x="3631518" y="18504566"/>
-            <a:ext cx="875561" cy="523220"/>
+            <a:off x="2686261" y="13085017"/>
+            <a:ext cx="673582" cy="397032"/>
           </a:xfrm>
           <a:prstGeom prst="rect">
             <a:avLst/>
@@ -5615,7 +5615,7 @@
           <a:lstStyle/>
           <a:p>
             <a:r>
-              <a:rPr lang="en-TR" sz="2800" i="1" dirty="0">
+              <a:rPr lang="en-TR" sz="1980" i="1" dirty="0">
                 <a:latin typeface="Gill Sans MT" panose="020B0502020104020203" pitchFamily="34" charset="77"/>
               </a:rPr>
               <a:t>BPCL</a:t>
@@ -5637,8 +5637,8 @@
         </p:nvSpPr>
         <p:spPr>
           <a:xfrm>
-            <a:off x="5501674" y="18533615"/>
-            <a:ext cx="1396536" cy="523220"/>
+            <a:off x="4008694" y="13105558"/>
+            <a:ext cx="1042273" cy="397032"/>
           </a:xfrm>
           <a:prstGeom prst="rect">
             <a:avLst/>
@@ -5652,7 +5652,7 @@
           <a:lstStyle/>
           <a:p>
             <a:r>
-              <a:rPr lang="en-TR" sz="2800" i="1" dirty="0">
+              <a:rPr lang="en-TR" sz="1980" i="1" dirty="0">
                 <a:latin typeface="Gill Sans MT" panose="020B0502020104020203" pitchFamily="34" charset="77"/>
               </a:rPr>
               <a:t>Handling</a:t>
@@ -5674,8 +5674,8 @@
         </p:nvSpPr>
         <p:spPr>
           <a:xfrm>
-            <a:off x="8873585" y="18519097"/>
-            <a:ext cx="970137" cy="523220"/>
+            <a:off x="6393052" y="13095292"/>
+            <a:ext cx="739305" cy="397032"/>
           </a:xfrm>
           <a:prstGeom prst="rect">
             <a:avLst/>
@@ -5689,7 +5689,7 @@
           <a:lstStyle/>
           <a:p>
             <a:r>
-              <a:rPr lang="en-TR" sz="2800" i="1" dirty="0">
+              <a:rPr lang="en-TR" sz="1980" i="1" dirty="0">
                 <a:latin typeface="Gill Sans MT" panose="020B0502020104020203" pitchFamily="34" charset="77"/>
               </a:rPr>
               <a:t>ExtCL</a:t>
@@ -5711,8 +5711,8 @@
         </p:nvSpPr>
         <p:spPr>
           <a:xfrm>
-            <a:off x="4502275" y="19234317"/>
-            <a:ext cx="3610284" cy="553998"/>
+            <a:off x="3301994" y="13601041"/>
+            <a:ext cx="2598788" cy="418704"/>
           </a:xfrm>
           <a:prstGeom prst="rect">
             <a:avLst/>
@@ -5726,7 +5726,7 @@
           <a:lstStyle/>
           <a:p>
             <a:r>
-              <a:rPr lang="en-TR" sz="3000" dirty="0">
+              <a:rPr lang="en-TR" sz="2121" dirty="0">
                 <a:latin typeface="Gill Sans MT" panose="020B0502020104020203" pitchFamily="34" charset="77"/>
               </a:rPr>
               <a:t>Null Marking (NULL) </a:t>
@@ -5748,8 +5748,8 @@
         </p:nvSpPr>
         <p:spPr>
           <a:xfrm>
-            <a:off x="1516442" y="21509871"/>
-            <a:ext cx="570990" cy="523220"/>
+            <a:off x="1190641" y="15210139"/>
+            <a:ext cx="472437" cy="397032"/>
           </a:xfrm>
           <a:prstGeom prst="rect">
             <a:avLst/>
@@ -5763,7 +5763,7 @@
           <a:lstStyle/>
           <a:p>
             <a:r>
-              <a:rPr lang="en-TR" sz="2800" i="1" dirty="0">
+              <a:rPr lang="en-TR" sz="1980" i="1" dirty="0">
                 <a:latin typeface="Gill Sans MT" panose="020B0502020104020203" pitchFamily="34" charset="77"/>
               </a:rPr>
               <a:t>CA</a:t>
@@ -5785,8 +5785,8 @@
         </p:nvSpPr>
         <p:spPr>
           <a:xfrm>
-            <a:off x="3891580" y="21477858"/>
-            <a:ext cx="1600823" cy="523220"/>
+            <a:off x="2870157" y="15187502"/>
+            <a:ext cx="1226618" cy="397032"/>
           </a:xfrm>
           <a:prstGeom prst="rect">
             <a:avLst/>
@@ -5800,7 +5800,7 @@
           <a:lstStyle/>
           <a:p>
             <a:r>
-              <a:rPr lang="en-TR" sz="2800" i="1" dirty="0">
+              <a:rPr lang="en-TR" sz="1980" i="1" dirty="0">
                 <a:latin typeface="Gill Sans MT" panose="020B0502020104020203" pitchFamily="34" charset="77"/>
               </a:rPr>
               <a:t>Plain VERB</a:t>
@@ -5822,8 +5822,8 @@
         </p:nvSpPr>
         <p:spPr>
           <a:xfrm>
-            <a:off x="7177093" y="21471421"/>
-            <a:ext cx="2483372" cy="523220"/>
+            <a:off x="5193422" y="15182951"/>
+            <a:ext cx="1810111" cy="397032"/>
           </a:xfrm>
           <a:prstGeom prst="rect">
             <a:avLst/>
@@ -5837,7 +5837,7 @@
           <a:lstStyle/>
           <a:p>
             <a:r>
-              <a:rPr lang="en-TR" sz="2800" i="1" dirty="0">
+              <a:rPr lang="en-TR" sz="1980" i="1" dirty="0">
                 <a:latin typeface="Gill Sans MT" panose="020B0502020104020203" pitchFamily="34" charset="77"/>
               </a:rPr>
               <a:t>Agreement VERB</a:t>
@@ -5859,8 +5859,8 @@
         </p:nvSpPr>
         <p:spPr>
           <a:xfrm>
-            <a:off x="335280" y="12439046"/>
-            <a:ext cx="12054903" cy="1015663"/>
+            <a:off x="355414" y="8795944"/>
+            <a:ext cx="8565165" cy="745076"/>
           </a:xfrm>
           <a:prstGeom prst="rect">
             <a:avLst/>
@@ -5874,7 +5874,7 @@
           <a:lstStyle/>
           <a:p>
             <a:r>
-              <a:rPr lang="en-US" sz="3000" dirty="0">
+              <a:rPr lang="en-US" sz="2121" dirty="0">
                 <a:latin typeface="Gill Sans MT" panose="020B0502020104020203" pitchFamily="34" charset="77"/>
               </a:rPr>
               <a:t>Sign Languages are natural languages of the Deaf communities all around the</a:t>
@@ -5882,7 +5882,7 @@
           </a:p>
           <a:p>
             <a:r>
-              <a:rPr lang="en-US" sz="3000" dirty="0">
+              <a:rPr lang="en-US" sz="2121" dirty="0">
                 <a:latin typeface="Gill Sans MT" panose="020B0502020104020203" pitchFamily="34" charset="77"/>
               </a:rPr>
               <a:t>world. REs for sign languages include the following main tools:</a:t>
@@ -5904,8 +5904,8 @@
         </p:nvSpPr>
         <p:spPr>
           <a:xfrm>
-            <a:off x="54977" y="10089753"/>
-            <a:ext cx="14136267" cy="1374415"/>
+            <a:off x="157205" y="7134703"/>
+            <a:ext cx="9996090" cy="1006429"/>
           </a:xfrm>
           <a:prstGeom prst="rect">
             <a:avLst/>
@@ -5924,7 +5924,7 @@
           <a:lstStyle/>
           <a:p>
             <a:r>
-              <a:rPr lang="tr-TR" sz="2800" b="1" dirty="0" err="1">
+              <a:rPr lang="tr-TR" sz="1980" b="1" dirty="0" err="1">
                 <a:solidFill>
                   <a:srgbClr val="C00000"/>
                 </a:solidFill>
@@ -5934,7 +5934,7 @@
               <a:t>The</a:t>
             </a:r>
             <a:r>
-              <a:rPr lang="tr-TR" sz="2800" b="1" dirty="0">
+              <a:rPr lang="tr-TR" sz="1980" b="1" dirty="0">
                 <a:solidFill>
                   <a:srgbClr val="C00000"/>
                 </a:solidFill>
@@ -5944,7 +5944,7 @@
               <a:t> </a:t>
             </a:r>
             <a:r>
-              <a:rPr lang="tr-TR" sz="2800" b="1" dirty="0" err="1">
+              <a:rPr lang="tr-TR" sz="1980" b="1" dirty="0" err="1">
                 <a:solidFill>
                   <a:srgbClr val="C00000"/>
                 </a:solidFill>
@@ -5954,7 +5954,7 @@
               <a:t>Present</a:t>
             </a:r>
             <a:r>
-              <a:rPr lang="tr-TR" sz="2800" b="1" dirty="0">
+              <a:rPr lang="tr-TR" sz="1980" b="1" dirty="0">
                 <a:solidFill>
                   <a:srgbClr val="C00000"/>
                 </a:solidFill>
@@ -5964,7 +5964,7 @@
               <a:t> </a:t>
             </a:r>
             <a:r>
-              <a:rPr lang="tr-TR" sz="2800" b="1" dirty="0" err="1">
+              <a:rPr lang="tr-TR" sz="1980" b="1" dirty="0" err="1">
                 <a:solidFill>
                   <a:srgbClr val="C00000"/>
                 </a:solidFill>
@@ -5974,7 +5974,7 @@
               <a:t>Study</a:t>
             </a:r>
             <a:r>
-              <a:rPr lang="tr-TR" sz="2800" b="1" dirty="0">
+              <a:rPr lang="tr-TR" sz="1980" b="1" dirty="0">
                 <a:solidFill>
                   <a:srgbClr val="C00000"/>
                 </a:solidFill>
@@ -5984,14 +5984,14 @@
               <a:t>:  </a:t>
             </a:r>
             <a:r>
-              <a:rPr lang="tr-TR" sz="2800" dirty="0">
+              <a:rPr lang="tr-TR" sz="1980" dirty="0">
                 <a:latin typeface="Gill Sans MT" pitchFamily="34" charset="0"/>
                 <a:cs typeface="Times New Roman"/>
               </a:rPr>
               <a:t>-- investigated </a:t>
             </a:r>
             <a:r>
-              <a:rPr lang="en-US" sz="2800" dirty="0">
+              <a:rPr lang="en-US" sz="1980" dirty="0">
                 <a:latin typeface="Gill Sans MT" panose="020B0502020104020203" pitchFamily="34" charset="0"/>
               </a:rPr>
               <a:t>the reference tracking strategies of native and late deaf 	            adult signers in Turkish Sign Language (TİD) narratives by using a 	            7-point scale of referent accessibility.</a:t>
@@ -6013,8 +6013,8 @@
         </p:nvSpPr>
         <p:spPr>
           <a:xfrm>
-            <a:off x="95073" y="2790754"/>
-            <a:ext cx="4407202" cy="519694"/>
+            <a:off x="185557" y="1973408"/>
+            <a:ext cx="3116437" cy="397032"/>
           </a:xfrm>
           <a:prstGeom prst="rect">
             <a:avLst/>
@@ -6031,7 +6031,7 @@
           <a:lstStyle/>
           <a:p>
             <a:r>
-              <a:rPr lang="tr-TR" sz="2800" b="1" dirty="0" err="1">
+              <a:rPr lang="tr-TR" sz="1980" b="1" dirty="0" err="1">
                 <a:solidFill>
                   <a:srgbClr val="C00000"/>
                 </a:solidFill>
@@ -6041,7 +6041,7 @@
               <a:t>Referential</a:t>
             </a:r>
             <a:r>
-              <a:rPr lang="tr-TR" sz="2800" b="1" dirty="0">
+              <a:rPr lang="tr-TR" sz="1980" b="1" dirty="0">
                 <a:solidFill>
                   <a:srgbClr val="C00000"/>
                 </a:solidFill>
@@ -6050,7 +6050,7 @@
               </a:rPr>
               <a:t> Accessibility: </a:t>
             </a:r>
-            <a:endParaRPr lang="en-US" sz="2800" dirty="0">
+            <a:endParaRPr lang="en-US" sz="1980" dirty="0">
               <a:latin typeface="Gill Sans MT" panose="020B0502020104020203" pitchFamily="34" charset="0"/>
             </a:endParaRPr>
           </a:p>
@@ -6077,8 +6077,8 @@
         </p:blipFill>
         <p:spPr>
           <a:xfrm>
-            <a:off x="8112559" y="3050519"/>
-            <a:ext cx="5963756" cy="4637557"/>
+            <a:off x="5854912" y="2157094"/>
+            <a:ext cx="4217113" cy="3279327"/>
           </a:xfrm>
           <a:prstGeom prst="rect">
             <a:avLst/>
@@ -6099,8 +6099,8 @@
         </p:nvSpPr>
         <p:spPr>
           <a:xfrm>
-            <a:off x="151264" y="3265850"/>
-            <a:ext cx="7537489" cy="3539430"/>
+            <a:off x="225292" y="2309360"/>
+            <a:ext cx="5329937" cy="2529988"/>
           </a:xfrm>
           <a:prstGeom prst="rect">
             <a:avLst/>
@@ -6115,19 +6115,19 @@
           <a:p>
             <a:pPr algn="just"/>
             <a:r>
-              <a:rPr lang="en-US" sz="3200" dirty="0">
+              <a:rPr lang="en-US" sz="2263" dirty="0">
                 <a:latin typeface="Gill Sans MT" panose="020B0502020104020203" pitchFamily="34" charset="77"/>
               </a:rPr>
               <a:t>In narratives, speakers and signers vary </a:t>
             </a:r>
             <a:r>
-              <a:rPr lang="en-US" sz="3200" b="1" dirty="0">
+              <a:rPr lang="en-US" sz="2263" b="1" dirty="0">
                 <a:latin typeface="Gill Sans MT" panose="020B0502020104020203" pitchFamily="34" charset="77"/>
               </a:rPr>
               <a:t>the quantity of marking </a:t>
             </a:r>
             <a:r>
-              <a:rPr lang="en-US" sz="3200" dirty="0">
+              <a:rPr lang="en-US" sz="2263" dirty="0">
                 <a:latin typeface="Gill Sans MT" panose="020B0502020104020203" pitchFamily="34" charset="77"/>
               </a:rPr>
               <a:t>on referring forms and anaphoric tools (REATs) based on the accessibility of the referent in the addressee’s mind [1-2]: </a:t>
@@ -6136,19 +6136,19 @@
           <a:p>
             <a:pPr algn="just"/>
             <a:r>
-              <a:rPr lang="en-US" sz="3200" u="sng" dirty="0">
+              <a:rPr lang="en-US" sz="2263" u="sng" dirty="0">
                 <a:latin typeface="Gill Sans MT" panose="020B0502020104020203" pitchFamily="34" charset="77"/>
               </a:rPr>
               <a:t>Accessible</a:t>
             </a:r>
             <a:r>
-              <a:rPr lang="en-US" sz="3200" dirty="0">
+              <a:rPr lang="en-US" sz="2263" dirty="0">
                 <a:latin typeface="Gill Sans MT" panose="020B0502020104020203" pitchFamily="34" charset="77"/>
               </a:rPr>
               <a:t> </a:t>
             </a:r>
             <a:r>
-              <a:rPr lang="en-US" sz="3200" dirty="0">
+              <a:rPr lang="en-US" sz="2263" dirty="0">
                 <a:latin typeface="Gill Sans MT" panose="020B0502020104020203" pitchFamily="34" charset="77"/>
                 <a:sym typeface="Wingdings" pitchFamily="2" charset="2"/>
               </a:rPr>
@@ -6158,20 +6158,20 @@
           <a:p>
             <a:pPr algn="just"/>
             <a:r>
-              <a:rPr lang="en-US" sz="3200" u="sng" dirty="0">
+              <a:rPr lang="en-US" sz="2263" u="sng" dirty="0">
                 <a:latin typeface="Gill Sans MT" panose="020B0502020104020203" pitchFamily="34" charset="77"/>
                 <a:sym typeface="Wingdings" pitchFamily="2" charset="2"/>
               </a:rPr>
               <a:t>Inaccessible </a:t>
             </a:r>
             <a:r>
-              <a:rPr lang="en-US" sz="3200" dirty="0">
+              <a:rPr lang="en-US" sz="2263" dirty="0">
                 <a:latin typeface="Gill Sans MT" panose="020B0502020104020203" pitchFamily="34" charset="77"/>
                 <a:sym typeface="Wingdings" pitchFamily="2" charset="2"/>
               </a:rPr>
               <a:t> more marking</a:t>
             </a:r>
-            <a:endParaRPr lang="en-US" sz="3200" dirty="0">
+            <a:endParaRPr lang="en-US" sz="2263" dirty="0">
               <a:latin typeface="Gill Sans MT" panose="020B0502020104020203" pitchFamily="34" charset="77"/>
             </a:endParaRPr>
           </a:p>
@@ -6191,8 +6191,8 @@
         </p:nvSpPr>
         <p:spPr>
           <a:xfrm>
-            <a:off x="99160" y="6943379"/>
-            <a:ext cx="9561305" cy="2554545"/>
+            <a:off x="188448" y="4909828"/>
+            <a:ext cx="6761026" cy="2181751"/>
           </a:xfrm>
           <a:prstGeom prst="rect">
             <a:avLst/>
@@ -6208,13 +6208,13 @@
           </a:bodyPr>
           <a:lstStyle/>
           <a:p>
-            <a:endParaRPr lang="en-US" sz="3200" dirty="0">
+            <a:endParaRPr lang="en-US" sz="2263" dirty="0">
               <a:latin typeface="Gill Sans MT" panose="020B0502020104020203" pitchFamily="34" charset="77"/>
             </a:endParaRPr>
           </a:p>
           <a:p>
             <a:r>
-              <a:rPr lang="en-US" sz="3200" dirty="0">
+              <a:rPr lang="en-US" sz="2263" dirty="0">
                 <a:latin typeface="Gill Sans MT" panose="020B0502020104020203" pitchFamily="34" charset="77"/>
               </a:rPr>
               <a:t>A referent can also be: </a:t>
@@ -6222,61 +6222,61 @@
           </a:p>
           <a:p>
             <a:r>
-              <a:rPr lang="en-US" sz="3200" u="sng" dirty="0">
+              <a:rPr lang="en-US" sz="2263" u="sng" dirty="0">
                 <a:latin typeface="Gill Sans MT" panose="020B0502020104020203" pitchFamily="34" charset="77"/>
               </a:rPr>
               <a:t>Introduced </a:t>
             </a:r>
             <a:r>
-              <a:rPr lang="en-US" sz="3200" dirty="0">
+              <a:rPr lang="en-US" sz="2263" dirty="0">
                 <a:latin typeface="Gill Sans MT" panose="020B0502020104020203" pitchFamily="34" charset="77"/>
                 <a:sym typeface="Wingdings" pitchFamily="2" charset="2"/>
               </a:rPr>
               <a:t> mentioned for the first time</a:t>
             </a:r>
-            <a:endParaRPr lang="en-US" sz="3200" dirty="0">
+            <a:endParaRPr lang="en-US" sz="2263" dirty="0">
               <a:latin typeface="Gill Sans MT" panose="020B0502020104020203" pitchFamily="34" charset="77"/>
             </a:endParaRPr>
           </a:p>
           <a:p>
             <a:r>
-              <a:rPr lang="en-US" sz="3200" u="sng" dirty="0">
+              <a:rPr lang="en-US" sz="2263" u="sng" dirty="0">
                 <a:latin typeface="Gill Sans MT" panose="020B0502020104020203" pitchFamily="34" charset="77"/>
               </a:rPr>
               <a:t>Maintained</a:t>
             </a:r>
             <a:r>
-              <a:rPr lang="en-US" sz="3200" dirty="0">
+              <a:rPr lang="en-US" sz="2263" dirty="0">
                 <a:latin typeface="Gill Sans MT" panose="020B0502020104020203" pitchFamily="34" charset="77"/>
               </a:rPr>
               <a:t> </a:t>
             </a:r>
             <a:r>
-              <a:rPr lang="en-US" sz="3200" dirty="0">
+              <a:rPr lang="en-US" sz="2263" dirty="0">
                 <a:latin typeface="Gill Sans MT" panose="020B0502020104020203" pitchFamily="34" charset="77"/>
                 <a:sym typeface="Wingdings" pitchFamily="2" charset="2"/>
               </a:rPr>
               <a:t> continued across at least two clauses</a:t>
             </a:r>
-            <a:endParaRPr lang="en-US" sz="3200" dirty="0">
+            <a:endParaRPr lang="en-US" sz="2263" dirty="0">
               <a:latin typeface="Gill Sans MT" panose="020B0502020104020203" pitchFamily="34" charset="77"/>
             </a:endParaRPr>
           </a:p>
           <a:p>
             <a:r>
-              <a:rPr lang="en-US" sz="3200" u="sng" dirty="0">
+              <a:rPr lang="en-US" sz="2263" u="sng" dirty="0">
                 <a:latin typeface="Gill Sans MT" panose="020B0502020104020203" pitchFamily="34" charset="77"/>
               </a:rPr>
               <a:t>Re-introduced</a:t>
             </a:r>
             <a:r>
-              <a:rPr lang="en-US" sz="3200" dirty="0">
+              <a:rPr lang="en-US" sz="2263" dirty="0">
                 <a:latin typeface="Gill Sans MT" panose="020B0502020104020203" pitchFamily="34" charset="77"/>
               </a:rPr>
               <a:t> </a:t>
             </a:r>
             <a:r>
-              <a:rPr lang="en-US" sz="3200" dirty="0">
+              <a:rPr lang="en-US" sz="2263" dirty="0">
                 <a:latin typeface="Gill Sans MT" panose="020B0502020104020203" pitchFamily="34" charset="77"/>
                 <a:sym typeface="Wingdings" pitchFamily="2" charset="2"/>
               </a:rPr>
@@ -6299,8 +6299,8 @@
         </p:nvSpPr>
         <p:spPr>
           <a:xfrm>
-            <a:off x="151264" y="6900942"/>
-            <a:ext cx="4407202" cy="519694"/>
+            <a:off x="225291" y="4879819"/>
+            <a:ext cx="3116437" cy="397032"/>
           </a:xfrm>
           <a:prstGeom prst="rect">
             <a:avLst/>
@@ -6317,7 +6317,7 @@
           <a:lstStyle/>
           <a:p>
             <a:r>
-              <a:rPr lang="tr-TR" sz="2800" b="1" dirty="0" err="1">
+              <a:rPr lang="tr-TR" sz="1980" b="1" dirty="0" err="1">
                 <a:solidFill>
                   <a:srgbClr val="C00000"/>
                 </a:solidFill>
@@ -6327,7 +6327,7 @@
               <a:t>Discourse</a:t>
             </a:r>
             <a:r>
-              <a:rPr lang="tr-TR" sz="2800" b="1" dirty="0">
+              <a:rPr lang="tr-TR" sz="1980" b="1" dirty="0">
                 <a:solidFill>
                   <a:srgbClr val="C00000"/>
                 </a:solidFill>
@@ -6337,7 +6337,7 @@
               <a:t> </a:t>
             </a:r>
             <a:r>
-              <a:rPr lang="tr-TR" sz="2800" b="1" dirty="0" err="1">
+              <a:rPr lang="tr-TR" sz="1980" b="1" dirty="0" err="1">
                 <a:solidFill>
                   <a:srgbClr val="C00000"/>
                 </a:solidFill>
@@ -6347,7 +6347,7 @@
               <a:t>Status</a:t>
             </a:r>
             <a:r>
-              <a:rPr lang="tr-TR" sz="2800" b="1" dirty="0">
+              <a:rPr lang="tr-TR" sz="1980" b="1" dirty="0">
                 <a:solidFill>
                   <a:srgbClr val="C00000"/>
                 </a:solidFill>
@@ -6356,7 +6356,7 @@
               </a:rPr>
               <a:t>:</a:t>
             </a:r>
-            <a:endParaRPr lang="en-US" sz="2800" dirty="0">
+            <a:endParaRPr lang="en-US" sz="1980" dirty="0">
               <a:latin typeface="Gill Sans MT" panose="020B0502020104020203" pitchFamily="34" charset="0"/>
             </a:endParaRPr>
           </a:p>
@@ -6376,8 +6376,8 @@
         </p:nvSpPr>
         <p:spPr>
           <a:xfrm>
-            <a:off x="28715051" y="2859632"/>
-            <a:ext cx="13571067" cy="1569660"/>
+            <a:off x="20423423" y="2022113"/>
+            <a:ext cx="9596424" cy="1137043"/>
           </a:xfrm>
           <a:prstGeom prst="rect">
             <a:avLst/>
@@ -6391,7 +6391,7 @@
           <a:lstStyle/>
           <a:p>
             <a:r>
-              <a:rPr lang="en-US" sz="3200" dirty="0">
+              <a:rPr lang="en-US" sz="2263" dirty="0">
                 <a:latin typeface="Gill Sans MT" panose="020B0502020104020203" pitchFamily="34" charset="77"/>
               </a:rPr>
               <a:t>We fit a Bayesian linear regression model using the brms package [6] in R to accessibility score (dependent variable) with discourse status and acquisition group as fixed effects and subject as random effect. </a:t>
@@ -6413,8 +6413,8 @@
         </p:nvSpPr>
         <p:spPr>
           <a:xfrm>
-            <a:off x="241762" y="23222616"/>
-            <a:ext cx="13587372" cy="2862322"/>
+            <a:off x="289285" y="16421262"/>
+            <a:ext cx="9607953" cy="2050561"/>
           </a:xfrm>
           <a:prstGeom prst="rect">
             <a:avLst/>
@@ -6428,66 +6428,66 @@
           <a:lstStyle/>
           <a:p>
             <a:r>
-              <a:rPr lang="en-US" sz="3000" b="1" dirty="0">
+              <a:rPr lang="en-US" sz="2121" b="1" dirty="0">
                 <a:latin typeface="Gill Sans MT" panose="020B0502020104020203" pitchFamily="34" charset="77"/>
               </a:rPr>
               <a:t>Two groups of signers</a:t>
             </a:r>
           </a:p>
           <a:p>
-            <a:pPr marL="514350" indent="-514350">
+            <a:pPr marL="363697" indent="-363697">
               <a:buAutoNum type="arabicParenR"/>
             </a:pPr>
             <a:r>
-              <a:rPr lang="en-US" sz="3000" dirty="0">
+              <a:rPr lang="en-US" sz="2121" dirty="0">
                 <a:latin typeface="Gill Sans MT" panose="020B0502020104020203" pitchFamily="34" charset="77"/>
               </a:rPr>
               <a:t>Native deaf signers: have deaf parents, </a:t>
             </a:r>
             <a:r>
-              <a:rPr lang="en-US" sz="3000" dirty="0" err="1">
+              <a:rPr lang="en-US" sz="2121" dirty="0" err="1">
                 <a:latin typeface="Gill Sans MT" panose="020B0502020104020203" pitchFamily="34" charset="77"/>
               </a:rPr>
               <a:t>AoA</a:t>
             </a:r>
             <a:r>
-              <a:rPr lang="en-US" sz="3000" dirty="0">
+              <a:rPr lang="en-US" sz="2121" dirty="0">
                 <a:latin typeface="Gill Sans MT" panose="020B0502020104020203" pitchFamily="34" charset="77"/>
               </a:rPr>
               <a:t>: 0-3 years</a:t>
             </a:r>
           </a:p>
           <a:p>
-            <a:pPr marL="514350" indent="-514350">
+            <a:pPr marL="363697" indent="-363697">
               <a:buAutoNum type="arabicParenR"/>
             </a:pPr>
             <a:r>
-              <a:rPr lang="en-US" sz="3000" dirty="0">
+              <a:rPr lang="en-US" sz="2121" dirty="0">
                 <a:latin typeface="Gill Sans MT" panose="020B0502020104020203" pitchFamily="34" charset="77"/>
               </a:rPr>
               <a:t>Late deaf signers: have hearing parents, </a:t>
             </a:r>
             <a:r>
-              <a:rPr lang="en-US" sz="3000" dirty="0" err="1">
+              <a:rPr lang="en-US" sz="2121" dirty="0" err="1">
                 <a:latin typeface="Gill Sans MT" panose="020B0502020104020203" pitchFamily="34" charset="77"/>
               </a:rPr>
               <a:t>AoA</a:t>
             </a:r>
             <a:r>
-              <a:rPr lang="en-US" sz="3000" dirty="0">
+              <a:rPr lang="en-US" sz="2121" dirty="0">
                 <a:latin typeface="Gill Sans MT" panose="020B0502020104020203" pitchFamily="34" charset="77"/>
               </a:rPr>
               <a:t>: &gt;3 years</a:t>
             </a:r>
           </a:p>
           <a:p>
-            <a:endParaRPr lang="en-US" sz="3000" dirty="0">
+            <a:endParaRPr lang="en-US" sz="2121" dirty="0">
               <a:latin typeface="Gill Sans MT" panose="020B0502020104020203" pitchFamily="34" charset="77"/>
             </a:endParaRPr>
           </a:p>
           <a:p>
             <a:r>
-              <a:rPr lang="en-US" sz="3000" dirty="0">
+              <a:rPr lang="en-US" sz="2121" dirty="0">
                 <a:latin typeface="Gill Sans MT" panose="020B0502020104020203" pitchFamily="34" charset="77"/>
               </a:rPr>
               <a:t>Native language deprivation among late signers known to influence morphosyntactic [5] and narrative abilities [3].</a:t>
@@ -6509,8 +6509,8 @@
         </p:nvSpPr>
         <p:spPr>
           <a:xfrm>
-            <a:off x="10316848" y="7673208"/>
-            <a:ext cx="2239716" cy="461665"/>
+            <a:off x="7413618" y="5425907"/>
+            <a:ext cx="1640193" cy="353495"/>
           </a:xfrm>
           <a:prstGeom prst="rect">
             <a:avLst/>
@@ -6524,7 +6524,7 @@
           <a:lstStyle/>
           <a:p>
             <a:r>
-              <a:rPr lang="en-TR" sz="2400" dirty="0">
+              <a:rPr lang="en-TR" sz="1697" dirty="0">
                 <a:latin typeface="Gill Sans MT" panose="020B0502020104020203" pitchFamily="34" charset="77"/>
               </a:rPr>
               <a:t>Taken from [11]</a:t>
@@ -6546,8 +6546,8 @@
         </p:nvSpPr>
         <p:spPr>
           <a:xfrm>
-            <a:off x="28308446" y="24044637"/>
-            <a:ext cx="14060066" cy="7971413"/>
+            <a:off x="20135903" y="17002533"/>
+            <a:ext cx="9942206" cy="5314275"/>
           </a:xfrm>
           <a:prstGeom prst="rect">
             <a:avLst/>
@@ -6561,7 +6561,7 @@
           <a:lstStyle/>
           <a:p>
             <a:r>
-              <a:rPr lang="en-US" sz="3200" dirty="0">
+              <a:rPr lang="en-US" sz="2121" dirty="0">
                 <a:latin typeface="Gill Sans MT" panose="020B0502020104020203" pitchFamily="34" charset="77"/>
               </a:rPr>
               <a:t>-- The observed distribution of REAT types was in line with previous</a:t>
@@ -6569,73 +6569,73 @@
           </a:p>
           <a:p>
             <a:r>
-              <a:rPr lang="en-US" sz="3200" dirty="0">
+              <a:rPr lang="en-US" sz="2121" dirty="0">
                 <a:latin typeface="Gill Sans MT" panose="020B0502020104020203" pitchFamily="34" charset="77"/>
               </a:rPr>
-              <a:t>observations [7-8, 12]:.</a:t>
-            </a:r>
-          </a:p>
-          <a:p>
-            <a:endParaRPr lang="en-US" sz="3200" dirty="0">
+              <a:t>observations [7-8, 12].</a:t>
+            </a:r>
+          </a:p>
+          <a:p>
+            <a:endParaRPr lang="en-US" sz="2121" dirty="0">
               <a:latin typeface="Gill Sans MT" panose="020B0502020104020203" pitchFamily="34" charset="77"/>
             </a:endParaRPr>
           </a:p>
           <a:p>
             <a:r>
-              <a:rPr lang="en-US" sz="3200" dirty="0">
+              <a:rPr lang="en-US" sz="2121" dirty="0">
                 <a:latin typeface="Gill Sans MT" panose="020B0502020104020203" pitchFamily="34" charset="77"/>
               </a:rPr>
               <a:t>-- Limited over-explicitness by late signers in reference tracking is akin to findings from hearing L2 acquirers of a sign language [4, 8] and spoken language [15].</a:t>
             </a:r>
           </a:p>
           <a:p>
-            <a:endParaRPr lang="en-US" sz="3200" dirty="0">
+            <a:endParaRPr lang="en-US" sz="2121" dirty="0">
               <a:latin typeface="Gill Sans MT" panose="020B0502020104020203" pitchFamily="34" charset="77"/>
             </a:endParaRPr>
           </a:p>
           <a:p>
-            <a:endParaRPr lang="en-US" sz="3200" dirty="0">
+            <a:endParaRPr lang="en-US" sz="2121" dirty="0">
               <a:latin typeface="Gill Sans MT" panose="020B0502020104020203" pitchFamily="34" charset="77"/>
             </a:endParaRPr>
           </a:p>
           <a:p>
             <a:r>
-              <a:rPr lang="en-US" sz="3200" dirty="0">
+              <a:rPr lang="en-US" sz="2121" dirty="0">
                 <a:latin typeface="Gill Sans MT" panose="020B0502020104020203" pitchFamily="34" charset="77"/>
               </a:rPr>
               <a:t>-- Native and late signers share the same linguistic inventory to track referents but differ in pragmatic competence.</a:t>
             </a:r>
           </a:p>
           <a:p>
-            <a:endParaRPr lang="en-US" sz="3200" dirty="0">
+            <a:endParaRPr lang="en-US" sz="2121" dirty="0">
               <a:latin typeface="Gill Sans MT" panose="020B0502020104020203" pitchFamily="34" charset="77"/>
             </a:endParaRPr>
           </a:p>
           <a:p>
             <a:r>
-              <a:rPr lang="en-US" sz="3200" dirty="0">
+              <a:rPr lang="en-US" sz="2121" dirty="0">
                 <a:latin typeface="Gill Sans MT" panose="020B0502020104020203" pitchFamily="34" charset="77"/>
               </a:rPr>
               <a:t>-- Delayed first language exposure might negatively affect late deaf signers’ pragmatic competence, and this might be reflected in their sensitivity to economy of form.</a:t>
             </a:r>
           </a:p>
           <a:p>
-            <a:endParaRPr lang="en-US" sz="3200" dirty="0">
+            <a:endParaRPr lang="en-US" sz="2121" dirty="0">
               <a:latin typeface="Gill Sans MT" panose="020B0502020104020203" pitchFamily="34" charset="77"/>
             </a:endParaRPr>
           </a:p>
           <a:p>
-            <a:endParaRPr lang="en-US" sz="3200" dirty="0">
+            <a:endParaRPr lang="en-US" sz="2121" dirty="0">
               <a:latin typeface="Gill Sans MT" panose="020B0502020104020203" pitchFamily="34" charset="77"/>
             </a:endParaRPr>
           </a:p>
           <a:p>
-            <a:endParaRPr lang="en-US" sz="3200" dirty="0">
+            <a:endParaRPr lang="en-US" sz="2121" dirty="0">
               <a:latin typeface="Gill Sans MT" panose="020B0502020104020203" pitchFamily="34" charset="77"/>
             </a:endParaRPr>
           </a:p>
           <a:p>
-            <a:endParaRPr lang="en-TR" sz="3200" dirty="0">
+            <a:endParaRPr lang="en-TR" sz="2121" dirty="0">
               <a:latin typeface="Gill Sans MT" panose="020B0502020104020203" pitchFamily="34" charset="77"/>
             </a:endParaRPr>
           </a:p>
@@ -6655,8 +6655,8 @@
         </p:nvSpPr>
         <p:spPr>
           <a:xfrm>
-            <a:off x="28340894" y="26794075"/>
-            <a:ext cx="4407202" cy="584775"/>
+            <a:off x="20163451" y="18838989"/>
+            <a:ext cx="3116437" cy="440570"/>
           </a:xfrm>
           <a:prstGeom prst="rect">
             <a:avLst/>
@@ -6673,7 +6673,7 @@
           <a:lstStyle/>
           <a:p>
             <a:r>
-              <a:rPr lang="tr-TR" sz="3200" b="1" dirty="0" err="1">
+              <a:rPr lang="tr-TR" sz="2263" b="1" dirty="0" err="1">
                 <a:solidFill>
                   <a:srgbClr val="C00000"/>
                 </a:solidFill>
@@ -6683,7 +6683,7 @@
               <a:t>Conclusion</a:t>
             </a:r>
             <a:r>
-              <a:rPr lang="tr-TR" sz="3200" b="1" dirty="0">
+              <a:rPr lang="tr-TR" sz="2263" b="1" dirty="0">
                 <a:solidFill>
                   <a:srgbClr val="C00000"/>
                 </a:solidFill>
@@ -6692,12 +6692,42 @@
               </a:rPr>
               <a:t>:</a:t>
             </a:r>
-            <a:endParaRPr lang="en-US" sz="3200" dirty="0">
+            <a:endParaRPr lang="en-US" sz="2263" dirty="0">
               <a:latin typeface="Gill Sans MT" panose="020B0502020104020203" pitchFamily="34" charset="0"/>
             </a:endParaRPr>
           </a:p>
         </p:txBody>
       </p:sp>
+      <p:pic>
+        <p:nvPicPr>
+          <p:cNvPr id="147" name="Picture 146">
+            <a:extLst>
+              <a:ext uri="{FF2B5EF4-FFF2-40B4-BE49-F238E27FC236}">
+                <a16:creationId xmlns:a16="http://schemas.microsoft.com/office/drawing/2014/main" id="{1AD7DB85-AD9D-A83F-53E4-24D907B81460}"/>
+              </a:ext>
+            </a:extLst>
+          </p:cNvPr>
+          <p:cNvPicPr>
+            <a:picLocks noChangeAspect="1"/>
+          </p:cNvPicPr>
+          <p:nvPr/>
+        </p:nvPicPr>
+        <p:blipFill>
+          <a:blip r:embed="rId15"/>
+          <a:stretch>
+            <a:fillRect/>
+          </a:stretch>
+        </p:blipFill>
+        <p:spPr>
+          <a:xfrm>
+            <a:off x="12753291" y="5909711"/>
+            <a:ext cx="4553099" cy="4553099"/>
+          </a:xfrm>
+          <a:prstGeom prst="rect">
+            <a:avLst/>
+          </a:prstGeom>
+        </p:spPr>
+      </p:pic>
     </p:spTree>
     <p:extLst>
       <p:ext uri="{BB962C8B-B14F-4D97-AF65-F5344CB8AC3E}">

--- a/folder/ssol_2022_poster.pptx
+++ b/folder/ssol_2022_poster.pptx
@@ -3565,7 +3565,7 @@
                 </a:solidFill>
                 <a:latin typeface="Gill Sans MT" panose="020B0502020104020203" pitchFamily="34" charset="77"/>
               </a:rPr>
-              <a:t>Age of Acquisition Effects on Referential Accessibility in Signed Narratives</a:t>
+              <a:t>Scale-based Analysis of Referential Accessibility among Native and Late Signers</a:t>
             </a:r>
           </a:p>
           <a:p>
@@ -4996,7 +4996,7 @@
         <p:spPr>
           <a:xfrm>
             <a:off x="12511380" y="5563284"/>
-            <a:ext cx="5064986" cy="5270674"/>
+            <a:ext cx="5064986" cy="5076000"/>
           </a:xfrm>
           <a:prstGeom prst="rect">
             <a:avLst/>
@@ -6720,7 +6720,7 @@
         </p:blipFill>
         <p:spPr>
           <a:xfrm>
-            <a:off x="12753291" y="5909711"/>
+            <a:off x="12753291" y="5821220"/>
             <a:ext cx="4553099" cy="4553099"/>
           </a:xfrm>
           <a:prstGeom prst="rect">
